--- a/Chapt 11/JHTP11_11.pptx
+++ b/Chapt 11/JHTP11_11.pptx
@@ -197,7 +197,55 @@
 </file>
 
 <file path=ppt/revisionInfo.xml><?xml version="1.0" encoding="utf-8"?>
-<p1510:revInfo xmlns:a="http://schemas.openxmlformats.org/drawingml/2006/main" xmlns:r="http://schemas.openxmlformats.org/officeDocument/2006/relationships" xmlns:p1510="http://schemas.microsoft.com/office/powerpoint/2015/10/main"/>
+<p1510:revInfo xmlns:a="http://schemas.openxmlformats.org/drawingml/2006/main" xmlns:r="http://schemas.openxmlformats.org/officeDocument/2006/relationships" xmlns:p1510="http://schemas.microsoft.com/office/powerpoint/2015/10/main">
+  <p1510:revLst>
+    <p1510:client id="{DCF6C035-D7B2-4440-B695-AB0ACA5A44E0}" v="2" dt="2020-04-15T17:45:58.075"/>
+  </p1510:revLst>
+</p1510:revInfo>
+</file>
+
+<file path=ppt/changesInfos/changesInfo1.xml><?xml version="1.0" encoding="utf-8"?>
+<pc:chgInfo xmlns:a="http://schemas.openxmlformats.org/drawingml/2006/main" xmlns:r="http://schemas.openxmlformats.org/officeDocument/2006/relationships" xmlns:ac="http://schemas.microsoft.com/office/drawing/2013/main/command" xmlns:pc="http://schemas.microsoft.com/office/powerpoint/2013/main/command">
+  <pc:docChgLst>
+    <pc:chgData name="John Paukovits" userId="8902f0b0ec3eeb91" providerId="LiveId" clId="{DCF6C035-D7B2-4440-B695-AB0ACA5A44E0}"/>
+    <pc:docChg chg="undo custSel modSld">
+      <pc:chgData name="John Paukovits" userId="8902f0b0ec3eeb91" providerId="LiveId" clId="{DCF6C035-D7B2-4440-B695-AB0ACA5A44E0}" dt="2020-04-15T17:45:58.121" v="4" actId="27636"/>
+      <pc:docMkLst>
+        <pc:docMk/>
+      </pc:docMkLst>
+      <pc:sldChg chg="modSp">
+        <pc:chgData name="John Paukovits" userId="8902f0b0ec3eeb91" providerId="LiveId" clId="{DCF6C035-D7B2-4440-B695-AB0ACA5A44E0}" dt="2020-04-15T17:45:58.121" v="4" actId="27636"/>
+        <pc:sldMkLst>
+          <pc:docMk/>
+          <pc:sldMk cId="3126349186" sldId="317"/>
+        </pc:sldMkLst>
+        <pc:spChg chg="mod">
+          <ac:chgData name="John Paukovits" userId="8902f0b0ec3eeb91" providerId="LiveId" clId="{DCF6C035-D7B2-4440-B695-AB0ACA5A44E0}" dt="2020-04-15T17:45:58.121" v="4" actId="27636"/>
+          <ac:spMkLst>
+            <pc:docMk/>
+            <pc:sldMk cId="3126349186" sldId="317"/>
+            <ac:spMk id="2" creationId="{92C2139D-4052-4217-ABA6-4ED4DC016BA5}"/>
+          </ac:spMkLst>
+        </pc:spChg>
+      </pc:sldChg>
+      <pc:sldChg chg="modSp">
+        <pc:chgData name="John Paukovits" userId="8902f0b0ec3eeb91" providerId="LiveId" clId="{DCF6C035-D7B2-4440-B695-AB0ACA5A44E0}" dt="2020-04-15T17:45:53.726" v="0" actId="20578"/>
+        <pc:sldMkLst>
+          <pc:docMk/>
+          <pc:sldMk cId="2309543739" sldId="331"/>
+        </pc:sldMkLst>
+        <pc:spChg chg="mod">
+          <ac:chgData name="John Paukovits" userId="8902f0b0ec3eeb91" providerId="LiveId" clId="{DCF6C035-D7B2-4440-B695-AB0ACA5A44E0}" dt="2020-04-15T17:45:53.726" v="0" actId="20578"/>
+          <ac:spMkLst>
+            <pc:docMk/>
+            <pc:sldMk cId="2309543739" sldId="331"/>
+            <ac:spMk id="14339" creationId="{A5674EEA-A6AA-4737-ADE0-15E069D87C6E}"/>
+          </ac:spMkLst>
+        </pc:spChg>
+      </pc:sldChg>
+    </pc:docChg>
+  </pc:docChgLst>
+</pc:chgInfo>
 </file>
 
 <file path=ppt/notesMasters/notesMaster1.xml><?xml version="1.0" encoding="utf-8"?>
@@ -282,7 +330,7 @@
           <a:p>
             <a:fld id="{2F3F0A42-D20D-4AD5-8397-FEB976A8F476}" type="datetimeFigureOut">
               <a:rPr lang="en-US" smtClean="0"/>
-              <a:t>11/11/2017</a:t>
+              <a:t>4/15/2020</a:t>
             </a:fld>
             <a:endParaRPr lang="en-US"/>
           </a:p>
@@ -571,7 +619,7 @@
           <p:cNvPr id="118786" name="Slide Image Placeholder 1">
             <a:extLst>
               <a:ext uri="{FF2B5EF4-FFF2-40B4-BE49-F238E27FC236}">
-                <a16:creationId xmlns="" xmlns:a16="http://schemas.microsoft.com/office/drawing/2014/main" id="{FF600DB2-E5B4-453B-831D-C314C89A5BEE}"/>
+                <a16:creationId xmlns:a16="http://schemas.microsoft.com/office/drawing/2014/main" id="{FF600DB2-E5B4-453B-831D-C314C89A5BEE}"/>
               </a:ext>
             </a:extLst>
           </p:cNvPr>
@@ -608,7 +656,7 @@
           <p:cNvPr id="118787" name="Notes Placeholder 2">
             <a:extLst>
               <a:ext uri="{FF2B5EF4-FFF2-40B4-BE49-F238E27FC236}">
-                <a16:creationId xmlns="" xmlns:a16="http://schemas.microsoft.com/office/drawing/2014/main" id="{5B5AC497-C108-4009-ACA5-104FF8A2EE9B}"/>
+                <a16:creationId xmlns:a16="http://schemas.microsoft.com/office/drawing/2014/main" id="{5B5AC497-C108-4009-ACA5-104FF8A2EE9B}"/>
               </a:ext>
             </a:extLst>
           </p:cNvPr>
@@ -663,7 +711,7 @@
           <p:cNvPr id="123908" name="Slide Number Placeholder 3">
             <a:extLst>
               <a:ext uri="{FF2B5EF4-FFF2-40B4-BE49-F238E27FC236}">
-                <a16:creationId xmlns="" xmlns:a16="http://schemas.microsoft.com/office/drawing/2014/main" id="{01914EA2-3D0B-4D86-96EF-7D6A2F2F79D0}"/>
+                <a16:creationId xmlns:a16="http://schemas.microsoft.com/office/drawing/2014/main" id="{01914EA2-3D0B-4D86-96EF-7D6A2F2F79D0}"/>
               </a:ext>
             </a:extLst>
           </p:cNvPr>
@@ -1477,7 +1525,7 @@
           <a:p>
             <a:fld id="{CF26B93A-92FF-4D3B-814D-1CD9C6B8A6D8}" type="datetime1">
               <a:rPr lang="en-US" smtClean="0"/>
-              <a:t>11/11/2017</a:t>
+              <a:t>4/15/2020</a:t>
             </a:fld>
             <a:endParaRPr lang="en-US"/>
           </a:p>
@@ -1681,7 +1729,7 @@
           <a:p>
             <a:fld id="{50EB13CC-E484-41BA-BB77-3027A1D61778}" type="datetime1">
               <a:rPr lang="en-US" smtClean="0"/>
-              <a:t>11/11/2017</a:t>
+              <a:t>4/15/2020</a:t>
             </a:fld>
             <a:endParaRPr lang="en-US"/>
           </a:p>
@@ -1874,7 +1922,7 @@
           <a:p>
             <a:fld id="{0D247800-8ADD-4C3E-85D3-0B1189659BFD}" type="datetime1">
               <a:rPr lang="en-US" smtClean="0"/>
-              <a:t>11/11/2017</a:t>
+              <a:t>4/15/2020</a:t>
             </a:fld>
             <a:endParaRPr lang="en-US"/>
           </a:p>
@@ -2232,7 +2280,7 @@
           <a:p>
             <a:fld id="{69031A53-40D0-4559-A4F4-A164939DA043}" type="datetime1">
               <a:rPr lang="en-US" smtClean="0"/>
-              <a:t>11/11/2017</a:t>
+              <a:t>4/15/2020</a:t>
             </a:fld>
             <a:endParaRPr lang="en-US"/>
           </a:p>
@@ -2656,7 +2704,7 @@
           <a:p>
             <a:fld id="{71A963D9-ECC4-4BA8-A085-FA58695213BC}" type="datetime1">
               <a:rPr lang="en-US" smtClean="0"/>
-              <a:t>11/11/2017</a:t>
+              <a:t>4/15/2020</a:t>
             </a:fld>
             <a:endParaRPr lang="en-US"/>
           </a:p>
@@ -2948,7 +2996,7 @@
           <a:p>
             <a:fld id="{D659793B-5015-4E12-B2E8-129930BACBAC}" type="datetime1">
               <a:rPr lang="en-US" smtClean="0"/>
-              <a:t>11/11/2017</a:t>
+              <a:t>4/15/2020</a:t>
             </a:fld>
             <a:endParaRPr lang="en-US"/>
           </a:p>
@@ -3389,7 +3437,7 @@
           <a:p>
             <a:fld id="{47119F19-5757-4F1C-85F9-D20424B8A5CC}" type="datetime1">
               <a:rPr lang="en-US" smtClean="0"/>
-              <a:t>11/11/2017</a:t>
+              <a:t>4/15/2020</a:t>
             </a:fld>
             <a:endParaRPr lang="en-US"/>
           </a:p>
@@ -3535,7 +3583,7 @@
           <a:p>
             <a:fld id="{2D423BEC-4CAE-47CB-AAB7-CD747C27C847}" type="datetime1">
               <a:rPr lang="en-US" smtClean="0"/>
-              <a:t>11/11/2017</a:t>
+              <a:t>4/15/2020</a:t>
             </a:fld>
             <a:endParaRPr lang="en-US"/>
           </a:p>
@@ -3646,7 +3694,7 @@
           <a:p>
             <a:fld id="{9530DB96-B354-467A-ACD7-DB547B27F5E0}" type="datetime1">
               <a:rPr lang="en-US" smtClean="0"/>
-              <a:t>11/11/2017</a:t>
+              <a:t>4/15/2020</a:t>
             </a:fld>
             <a:endParaRPr lang="en-US"/>
           </a:p>
@@ -3936,7 +3984,7 @@
           <a:p>
             <a:fld id="{85C5A0A8-3C6B-4E3A-835D-FDC9BF0B1AC0}" type="datetime1">
               <a:rPr lang="en-US" smtClean="0"/>
-              <a:t>11/11/2017</a:t>
+              <a:t>4/15/2020</a:t>
             </a:fld>
             <a:endParaRPr lang="en-US"/>
           </a:p>
@@ -4750,7 +4798,7 @@
           <a:p>
             <a:fld id="{182D34C5-1618-4A05-9AF7-6C4C2E5B455B}" type="datetime1">
               <a:rPr lang="en-US" smtClean="0"/>
-              <a:t>11/11/2017</a:t>
+              <a:t>4/15/2020</a:t>
             </a:fld>
             <a:endParaRPr lang="en-US"/>
           </a:p>
@@ -5025,7 +5073,7 @@
           <a:p>
             <a:fld id="{2E7985A9-BE29-41C8-846E-6D217187812C}" type="datetime1">
               <a:rPr lang="en-US" smtClean="0"/>
-              <a:t>11/11/2017</a:t>
+              <a:t>4/15/2020</a:t>
             </a:fld>
             <a:endParaRPr lang="en-US"/>
           </a:p>
@@ -5579,7 +5627,7 @@
           <p:cNvPr id="2" name="Title 1">
             <a:extLst>
               <a:ext uri="{FF2B5EF4-FFF2-40B4-BE49-F238E27FC236}">
-                <a16:creationId xmlns="" xmlns:a16="http://schemas.microsoft.com/office/drawing/2014/main" id="{92C2139D-4052-4217-ABA6-4ED4DC016BA5}"/>
+                <a16:creationId xmlns:a16="http://schemas.microsoft.com/office/drawing/2014/main" id="{92C2139D-4052-4217-ABA6-4ED4DC016BA5}"/>
               </a:ext>
             </a:extLst>
           </p:cNvPr>
@@ -5593,7 +5641,7 @@
         <p:spPr/>
         <p:txBody>
           <a:bodyPr>
-            <a:normAutofit fontScale="90000"/>
+            <a:normAutofit/>
           </a:bodyPr>
           <a:lstStyle/>
           <a:p>
@@ -5637,7 +5685,7 @@
           <p:cNvPr id="10243" name="Subtitle 3">
             <a:extLst>
               <a:ext uri="{FF2B5EF4-FFF2-40B4-BE49-F238E27FC236}">
-                <a16:creationId xmlns="" xmlns:a16="http://schemas.microsoft.com/office/drawing/2014/main" id="{68D28E44-A175-4596-93C8-9ED3BCEA14E7}"/>
+                <a16:creationId xmlns:a16="http://schemas.microsoft.com/office/drawing/2014/main" id="{68D28E44-A175-4596-93C8-9ED3BCEA14E7}"/>
               </a:ext>
             </a:extLst>
           </p:cNvPr>
@@ -5677,7 +5725,7 @@
           <p:cNvPr id="4" name="Footer Placeholder 3">
             <a:extLst>
               <a:ext uri="{FF2B5EF4-FFF2-40B4-BE49-F238E27FC236}">
-                <a16:creationId xmlns="" xmlns:a16="http://schemas.microsoft.com/office/drawing/2014/main" id="{B382FC40-4C30-4727-80B3-BF5074D84473}"/>
+                <a16:creationId xmlns:a16="http://schemas.microsoft.com/office/drawing/2014/main" id="{B382FC40-4C30-4727-80B3-BF5074D84473}"/>
               </a:ext>
             </a:extLst>
           </p:cNvPr>
@@ -5738,7 +5786,7 @@
           <p:cNvPr id="2" name="Title 1">
             <a:extLst>
               <a:ext uri="{FF2B5EF4-FFF2-40B4-BE49-F238E27FC236}">
-                <a16:creationId xmlns="" xmlns:a16="http://schemas.microsoft.com/office/drawing/2014/main" id="{9FB1ECF4-433B-40E7-952B-CA77A4E73D56}"/>
+                <a16:creationId xmlns:a16="http://schemas.microsoft.com/office/drawing/2014/main" id="{9FB1ECF4-433B-40E7-952B-CA77A4E73D56}"/>
               </a:ext>
             </a:extLst>
           </p:cNvPr>
@@ -5778,16 +5826,7 @@
                 </a:solidFill>
                 <a:latin typeface="Arial"/>
               </a:rPr>
-              <a:t>Example: Divide by Zero without Exception </a:t>
-            </a:r>
-            <a:r>
-              <a:rPr lang="en-US" dirty="0" smtClean="0">
-                <a:solidFill>
-                  <a:srgbClr val="3380E6"/>
-                </a:solidFill>
-                <a:latin typeface="Arial"/>
-              </a:rPr>
-              <a:t>Handling (Cont.)</a:t>
+              <a:t>Example: Divide by Zero without Exception Handling (Cont.)</a:t>
             </a:r>
             <a:endParaRPr lang="en-US" dirty="0">
               <a:solidFill>
@@ -5803,7 +5842,7 @@
           <p:cNvPr id="14339" name="Text Placeholder 2">
             <a:extLst>
               <a:ext uri="{FF2B5EF4-FFF2-40B4-BE49-F238E27FC236}">
-                <a16:creationId xmlns="" xmlns:a16="http://schemas.microsoft.com/office/drawing/2014/main" id="{A5674EEA-A6AA-4737-ADE0-15E069D87C6E}"/>
+                <a16:creationId xmlns:a16="http://schemas.microsoft.com/office/drawing/2014/main" id="{A5674EEA-A6AA-4737-ADE0-15E069D87C6E}"/>
               </a:ext>
             </a:extLst>
           </p:cNvPr>
@@ -5876,7 +5915,7 @@
           <p:cNvPr id="4" name="Footer Placeholder 3">
             <a:extLst>
               <a:ext uri="{FF2B5EF4-FFF2-40B4-BE49-F238E27FC236}">
-                <a16:creationId xmlns="" xmlns:a16="http://schemas.microsoft.com/office/drawing/2014/main" id="{912A59BC-2C51-47DC-9CE9-C93F65A523C8}"/>
+                <a16:creationId xmlns:a16="http://schemas.microsoft.com/office/drawing/2014/main" id="{912A59BC-2C51-47DC-9CE9-C93F65A523C8}"/>
               </a:ext>
             </a:extLst>
           </p:cNvPr>
@@ -5937,7 +5976,7 @@
           <p:cNvPr id="2" name="Title 1">
             <a:extLst>
               <a:ext uri="{FF2B5EF4-FFF2-40B4-BE49-F238E27FC236}">
-                <a16:creationId xmlns="" xmlns:a16="http://schemas.microsoft.com/office/drawing/2014/main" id="{9FB1ECF4-433B-40E7-952B-CA77A4E73D56}"/>
+                <a16:creationId xmlns:a16="http://schemas.microsoft.com/office/drawing/2014/main" id="{9FB1ECF4-433B-40E7-952B-CA77A4E73D56}"/>
               </a:ext>
             </a:extLst>
           </p:cNvPr>
@@ -5977,16 +6016,7 @@
                 </a:solidFill>
                 <a:latin typeface="Arial"/>
               </a:rPr>
-              <a:t>Example: Divide by Zero without Exception </a:t>
-            </a:r>
-            <a:r>
-              <a:rPr lang="en-US" dirty="0" smtClean="0">
-                <a:solidFill>
-                  <a:srgbClr val="3380E6"/>
-                </a:solidFill>
-                <a:latin typeface="Arial"/>
-              </a:rPr>
-              <a:t>Handling (Cont.)</a:t>
+              <a:t>Example: Divide by Zero without Exception Handling (Cont.)</a:t>
             </a:r>
             <a:endParaRPr lang="en-US" dirty="0">
               <a:solidFill>
@@ -6002,7 +6032,7 @@
           <p:cNvPr id="14339" name="Text Placeholder 2">
             <a:extLst>
               <a:ext uri="{FF2B5EF4-FFF2-40B4-BE49-F238E27FC236}">
-                <a16:creationId xmlns="" xmlns:a16="http://schemas.microsoft.com/office/drawing/2014/main" id="{A5674EEA-A6AA-4737-ADE0-15E069D87C6E}"/>
+                <a16:creationId xmlns:a16="http://schemas.microsoft.com/office/drawing/2014/main" id="{A5674EEA-A6AA-4737-ADE0-15E069D87C6E}"/>
               </a:ext>
             </a:extLst>
           </p:cNvPr>
@@ -6194,7 +6224,7 @@
           <p:cNvPr id="4" name="Footer Placeholder 3">
             <a:extLst>
               <a:ext uri="{FF2B5EF4-FFF2-40B4-BE49-F238E27FC236}">
-                <a16:creationId xmlns="" xmlns:a16="http://schemas.microsoft.com/office/drawing/2014/main" id="{912A59BC-2C51-47DC-9CE9-C93F65A523C8}"/>
+                <a16:creationId xmlns:a16="http://schemas.microsoft.com/office/drawing/2014/main" id="{912A59BC-2C51-47DC-9CE9-C93F65A523C8}"/>
               </a:ext>
             </a:extLst>
           </p:cNvPr>
@@ -6255,7 +6285,7 @@
           <p:cNvPr id="2" name="Title 1">
             <a:extLst>
               <a:ext uri="{FF2B5EF4-FFF2-40B4-BE49-F238E27FC236}">
-                <a16:creationId xmlns="" xmlns:a16="http://schemas.microsoft.com/office/drawing/2014/main" id="{9FB1ECF4-433B-40E7-952B-CA77A4E73D56}"/>
+                <a16:creationId xmlns:a16="http://schemas.microsoft.com/office/drawing/2014/main" id="{9FB1ECF4-433B-40E7-952B-CA77A4E73D56}"/>
               </a:ext>
             </a:extLst>
           </p:cNvPr>
@@ -6347,7 +6377,7 @@
           <p:cNvPr id="14339" name="Text Placeholder 2">
             <a:extLst>
               <a:ext uri="{FF2B5EF4-FFF2-40B4-BE49-F238E27FC236}">
-                <a16:creationId xmlns="" xmlns:a16="http://schemas.microsoft.com/office/drawing/2014/main" id="{A5674EEA-A6AA-4737-ADE0-15E069D87C6E}"/>
+                <a16:creationId xmlns:a16="http://schemas.microsoft.com/office/drawing/2014/main" id="{A5674EEA-A6AA-4737-ADE0-15E069D87C6E}"/>
               </a:ext>
             </a:extLst>
           </p:cNvPr>
@@ -6370,25 +6400,7 @@
                 </a:solidFill>
                 <a:latin typeface="Times New Roman" panose="02020603050405020304" pitchFamily="18" charset="0"/>
               </a:rPr>
-              <a:t>The application in Fig. </a:t>
-            </a:r>
-            <a:r>
-              <a:rPr lang="en-US" altLang="en-US" dirty="0" smtClean="0">
-                <a:solidFill>
-                  <a:srgbClr val="000000"/>
-                </a:solidFill>
-                <a:latin typeface="Times New Roman" panose="02020603050405020304" pitchFamily="18" charset="0"/>
-              </a:rPr>
-              <a:t>11.3 </a:t>
-            </a:r>
-            <a:r>
-              <a:rPr lang="en-US" altLang="en-US" dirty="0">
-                <a:solidFill>
-                  <a:srgbClr val="000000"/>
-                </a:solidFill>
-                <a:latin typeface="Times New Roman" panose="02020603050405020304" pitchFamily="18" charset="0"/>
-              </a:rPr>
-              <a:t>uses exception handling to process any </a:t>
+              <a:t>The application in Fig. 11.3 uses exception handling to process any </a:t>
             </a:r>
             <a:r>
               <a:rPr lang="en-US" altLang="en-US" dirty="0" err="1">
@@ -6463,7 +6475,7 @@
           <p:cNvPr id="4" name="Footer Placeholder 3">
             <a:extLst>
               <a:ext uri="{FF2B5EF4-FFF2-40B4-BE49-F238E27FC236}">
-                <a16:creationId xmlns="" xmlns:a16="http://schemas.microsoft.com/office/drawing/2014/main" id="{912A59BC-2C51-47DC-9CE9-C93F65A523C8}"/>
+                <a16:creationId xmlns:a16="http://schemas.microsoft.com/office/drawing/2014/main" id="{912A59BC-2C51-47DC-9CE9-C93F65A523C8}"/>
               </a:ext>
             </a:extLst>
           </p:cNvPr>
@@ -6524,7 +6536,7 @@
           <p:cNvPr id="3" name="Picture 2" descr="jhtp_11_Exceptions_Page_12">
             <a:extLst>
               <a:ext uri="{FF2B5EF4-FFF2-40B4-BE49-F238E27FC236}">
-                <a16:creationId xmlns="" xmlns:a16="http://schemas.microsoft.com/office/drawing/2014/main" id="{4B4EBDEE-7B55-49D6-B3C3-1D4138494CC6}"/>
+                <a16:creationId xmlns:a16="http://schemas.microsoft.com/office/drawing/2014/main" id="{4B4EBDEE-7B55-49D6-B3C3-1D4138494CC6}"/>
               </a:ext>
             </a:extLst>
           </p:cNvPr>
@@ -6561,7 +6573,7 @@
           <p:cNvPr id="4" name="Footer Placeholder 3">
             <a:extLst>
               <a:ext uri="{FF2B5EF4-FFF2-40B4-BE49-F238E27FC236}">
-                <a16:creationId xmlns="" xmlns:a16="http://schemas.microsoft.com/office/drawing/2014/main" id="{3EC05096-88C0-45A7-A528-9866DED6DC62}"/>
+                <a16:creationId xmlns:a16="http://schemas.microsoft.com/office/drawing/2014/main" id="{3EC05096-88C0-45A7-A528-9866DED6DC62}"/>
               </a:ext>
             </a:extLst>
           </p:cNvPr>
@@ -6619,7 +6631,7 @@
           <p:cNvPr id="3" name="Picture 2" descr="jhtp_11_Exceptions_Page_13">
             <a:extLst>
               <a:ext uri="{FF2B5EF4-FFF2-40B4-BE49-F238E27FC236}">
-                <a16:creationId xmlns="" xmlns:a16="http://schemas.microsoft.com/office/drawing/2014/main" id="{52738103-DDEC-4017-A10E-3225D448EA99}"/>
+                <a16:creationId xmlns:a16="http://schemas.microsoft.com/office/drawing/2014/main" id="{52738103-DDEC-4017-A10E-3225D448EA99}"/>
               </a:ext>
             </a:extLst>
           </p:cNvPr>
@@ -6656,7 +6668,7 @@
           <p:cNvPr id="4" name="Footer Placeholder 3">
             <a:extLst>
               <a:ext uri="{FF2B5EF4-FFF2-40B4-BE49-F238E27FC236}">
-                <a16:creationId xmlns="" xmlns:a16="http://schemas.microsoft.com/office/drawing/2014/main" id="{EEFAA72C-31AF-4169-B29A-E5102F244135}"/>
+                <a16:creationId xmlns:a16="http://schemas.microsoft.com/office/drawing/2014/main" id="{EEFAA72C-31AF-4169-B29A-E5102F244135}"/>
               </a:ext>
             </a:extLst>
           </p:cNvPr>
@@ -6714,7 +6726,7 @@
           <p:cNvPr id="3" name="Picture 2" descr="jhtp_11_Exceptions_Page_14">
             <a:extLst>
               <a:ext uri="{FF2B5EF4-FFF2-40B4-BE49-F238E27FC236}">
-                <a16:creationId xmlns="" xmlns:a16="http://schemas.microsoft.com/office/drawing/2014/main" id="{CF77FF40-CD7B-4A5C-B14B-1187F174E33E}"/>
+                <a16:creationId xmlns:a16="http://schemas.microsoft.com/office/drawing/2014/main" id="{CF77FF40-CD7B-4A5C-B14B-1187F174E33E}"/>
               </a:ext>
             </a:extLst>
           </p:cNvPr>
@@ -6751,7 +6763,7 @@
           <p:cNvPr id="4" name="Footer Placeholder 3">
             <a:extLst>
               <a:ext uri="{FF2B5EF4-FFF2-40B4-BE49-F238E27FC236}">
-                <a16:creationId xmlns="" xmlns:a16="http://schemas.microsoft.com/office/drawing/2014/main" id="{69C3DAD2-C21B-4764-831B-26CBB6A44C71}"/>
+                <a16:creationId xmlns:a16="http://schemas.microsoft.com/office/drawing/2014/main" id="{69C3DAD2-C21B-4764-831B-26CBB6A44C71}"/>
               </a:ext>
             </a:extLst>
           </p:cNvPr>
@@ -6809,7 +6821,7 @@
           <p:cNvPr id="3" name="Picture 2" descr="jhtp_11_Exceptions_Page_15">
             <a:extLst>
               <a:ext uri="{FF2B5EF4-FFF2-40B4-BE49-F238E27FC236}">
-                <a16:creationId xmlns="" xmlns:a16="http://schemas.microsoft.com/office/drawing/2014/main" id="{4FA45007-767A-496E-94F8-537CD11E5107}"/>
+                <a16:creationId xmlns:a16="http://schemas.microsoft.com/office/drawing/2014/main" id="{4FA45007-767A-496E-94F8-537CD11E5107}"/>
               </a:ext>
             </a:extLst>
           </p:cNvPr>
@@ -6846,7 +6858,7 @@
           <p:cNvPr id="4" name="Footer Placeholder 3">
             <a:extLst>
               <a:ext uri="{FF2B5EF4-FFF2-40B4-BE49-F238E27FC236}">
-                <a16:creationId xmlns="" xmlns:a16="http://schemas.microsoft.com/office/drawing/2014/main" id="{AAF89BAB-16EB-435F-A9B2-F018B07775C2}"/>
+                <a16:creationId xmlns:a16="http://schemas.microsoft.com/office/drawing/2014/main" id="{AAF89BAB-16EB-435F-A9B2-F018B07775C2}"/>
               </a:ext>
             </a:extLst>
           </p:cNvPr>
@@ -6904,7 +6916,7 @@
           <p:cNvPr id="3" name="Picture 2" descr="jhtp_11_Exceptions_Page_16">
             <a:extLst>
               <a:ext uri="{FF2B5EF4-FFF2-40B4-BE49-F238E27FC236}">
-                <a16:creationId xmlns="" xmlns:a16="http://schemas.microsoft.com/office/drawing/2014/main" id="{C8F1988C-4710-499E-A4BF-12B080C8440D}"/>
+                <a16:creationId xmlns:a16="http://schemas.microsoft.com/office/drawing/2014/main" id="{C8F1988C-4710-499E-A4BF-12B080C8440D}"/>
               </a:ext>
             </a:extLst>
           </p:cNvPr>
@@ -6941,7 +6953,7 @@
           <p:cNvPr id="4" name="Footer Placeholder 3">
             <a:extLst>
               <a:ext uri="{FF2B5EF4-FFF2-40B4-BE49-F238E27FC236}">
-                <a16:creationId xmlns="" xmlns:a16="http://schemas.microsoft.com/office/drawing/2014/main" id="{273C85FC-7403-4192-B1D1-F60345010B45}"/>
+                <a16:creationId xmlns:a16="http://schemas.microsoft.com/office/drawing/2014/main" id="{273C85FC-7403-4192-B1D1-F60345010B45}"/>
               </a:ext>
             </a:extLst>
           </p:cNvPr>
@@ -6999,7 +7011,7 @@
           <p:cNvPr id="2" name="Title 1">
             <a:extLst>
               <a:ext uri="{FF2B5EF4-FFF2-40B4-BE49-F238E27FC236}">
-                <a16:creationId xmlns="" xmlns:a16="http://schemas.microsoft.com/office/drawing/2014/main" id="{9FB1ECF4-433B-40E7-952B-CA77A4E73D56}"/>
+                <a16:creationId xmlns:a16="http://schemas.microsoft.com/office/drawing/2014/main" id="{9FB1ECF4-433B-40E7-952B-CA77A4E73D56}"/>
               </a:ext>
             </a:extLst>
           </p:cNvPr>
@@ -7069,7 +7081,7 @@
               <a:t> and </a:t>
             </a:r>
             <a:r>
-              <a:rPr lang="en-US" sz="3200" dirty="0" err="1" smtClean="0">
+              <a:rPr lang="en-US" sz="3200" dirty="0" err="1">
                 <a:solidFill>
                   <a:srgbClr val="3380E6"/>
                 </a:solidFill>
@@ -7078,22 +7090,13 @@
               <a:t>InputMismatchExceptions</a:t>
             </a:r>
             <a:r>
-              <a:rPr lang="en-US" sz="3200" dirty="0" smtClean="0">
+              <a:rPr lang="en-US" sz="3200" dirty="0">
                 <a:solidFill>
                   <a:srgbClr val="3380E6"/>
                 </a:solidFill>
                 <a:latin typeface="Arial"/>
               </a:rPr>
-              <a:t> (Cont</a:t>
-            </a:r>
-            <a:r>
-              <a:rPr lang="en-US" sz="3200" dirty="0">
-                <a:solidFill>
-                  <a:srgbClr val="3380E6"/>
-                </a:solidFill>
-                <a:latin typeface="Arial"/>
-              </a:rPr>
-              <a:t>.)</a:t>
+              <a:t> (Cont.)</a:t>
             </a:r>
           </a:p>
         </p:txBody>
@@ -7103,7 +7106,7 @@
           <p:cNvPr id="14339" name="Text Placeholder 2">
             <a:extLst>
               <a:ext uri="{FF2B5EF4-FFF2-40B4-BE49-F238E27FC236}">
-                <a16:creationId xmlns="" xmlns:a16="http://schemas.microsoft.com/office/drawing/2014/main" id="{A5674EEA-A6AA-4737-ADE0-15E069D87C6E}"/>
+                <a16:creationId xmlns:a16="http://schemas.microsoft.com/office/drawing/2014/main" id="{A5674EEA-A6AA-4737-ADE0-15E069D87C6E}"/>
               </a:ext>
             </a:extLst>
           </p:cNvPr>
@@ -7225,7 +7228,7 @@
           <p:cNvPr id="4" name="Footer Placeholder 3">
             <a:extLst>
               <a:ext uri="{FF2B5EF4-FFF2-40B4-BE49-F238E27FC236}">
-                <a16:creationId xmlns="" xmlns:a16="http://schemas.microsoft.com/office/drawing/2014/main" id="{912A59BC-2C51-47DC-9CE9-C93F65A523C8}"/>
+                <a16:creationId xmlns:a16="http://schemas.microsoft.com/office/drawing/2014/main" id="{912A59BC-2C51-47DC-9CE9-C93F65A523C8}"/>
               </a:ext>
             </a:extLst>
           </p:cNvPr>
@@ -7286,7 +7289,7 @@
           <p:cNvPr id="2" name="Title 1">
             <a:extLst>
               <a:ext uri="{FF2B5EF4-FFF2-40B4-BE49-F238E27FC236}">
-                <a16:creationId xmlns="" xmlns:a16="http://schemas.microsoft.com/office/drawing/2014/main" id="{9FB1ECF4-433B-40E7-952B-CA77A4E73D56}"/>
+                <a16:creationId xmlns:a16="http://schemas.microsoft.com/office/drawing/2014/main" id="{9FB1ECF4-433B-40E7-952B-CA77A4E73D56}"/>
               </a:ext>
             </a:extLst>
           </p:cNvPr>
@@ -7356,7 +7359,7 @@
               <a:t> and </a:t>
             </a:r>
             <a:r>
-              <a:rPr lang="en-US" sz="3200" dirty="0" err="1" smtClean="0">
+              <a:rPr lang="en-US" sz="3200" dirty="0" err="1">
                 <a:solidFill>
                   <a:srgbClr val="3380E6"/>
                 </a:solidFill>
@@ -7365,22 +7368,13 @@
               <a:t>InputMismatchExceptions</a:t>
             </a:r>
             <a:r>
-              <a:rPr lang="en-US" sz="3200" dirty="0" smtClean="0">
+              <a:rPr lang="en-US" sz="3200" dirty="0">
                 <a:solidFill>
                   <a:srgbClr val="3380E6"/>
                 </a:solidFill>
                 <a:latin typeface="Arial"/>
               </a:rPr>
-              <a:t> (Cont</a:t>
-            </a:r>
-            <a:r>
-              <a:rPr lang="en-US" sz="3200" dirty="0">
-                <a:solidFill>
-                  <a:srgbClr val="3380E6"/>
-                </a:solidFill>
-                <a:latin typeface="Arial"/>
-              </a:rPr>
-              <a:t>.)</a:t>
+              <a:t> (Cont.)</a:t>
             </a:r>
           </a:p>
         </p:txBody>
@@ -7390,7 +7384,7 @@
           <p:cNvPr id="14339" name="Text Placeholder 2">
             <a:extLst>
               <a:ext uri="{FF2B5EF4-FFF2-40B4-BE49-F238E27FC236}">
-                <a16:creationId xmlns="" xmlns:a16="http://schemas.microsoft.com/office/drawing/2014/main" id="{A5674EEA-A6AA-4737-ADE0-15E069D87C6E}"/>
+                <a16:creationId xmlns:a16="http://schemas.microsoft.com/office/drawing/2014/main" id="{A5674EEA-A6AA-4737-ADE0-15E069D87C6E}"/>
               </a:ext>
             </a:extLst>
           </p:cNvPr>
@@ -7712,7 +7706,7 @@
           <p:cNvPr id="4" name="Footer Placeholder 3">
             <a:extLst>
               <a:ext uri="{FF2B5EF4-FFF2-40B4-BE49-F238E27FC236}">
-                <a16:creationId xmlns="" xmlns:a16="http://schemas.microsoft.com/office/drawing/2014/main" id="{912A59BC-2C51-47DC-9CE9-C93F65A523C8}"/>
+                <a16:creationId xmlns:a16="http://schemas.microsoft.com/office/drawing/2014/main" id="{912A59BC-2C51-47DC-9CE9-C93F65A523C8}"/>
               </a:ext>
             </a:extLst>
           </p:cNvPr>
@@ -7773,7 +7767,7 @@
           <p:cNvPr id="2" name="Title 1">
             <a:extLst>
               <a:ext uri="{FF2B5EF4-FFF2-40B4-BE49-F238E27FC236}">
-                <a16:creationId xmlns="" xmlns:a16="http://schemas.microsoft.com/office/drawing/2014/main" id="{9FB1ECF4-433B-40E7-952B-CA77A4E73D56}"/>
+                <a16:creationId xmlns:a16="http://schemas.microsoft.com/office/drawing/2014/main" id="{9FB1ECF4-433B-40E7-952B-CA77A4E73D56}"/>
               </a:ext>
             </a:extLst>
           </p:cNvPr>
@@ -7796,7 +7790,7 @@
               <a:defRPr/>
             </a:pPr>
             <a:r>
-              <a:rPr lang="en-US" dirty="0" smtClean="0">
+              <a:rPr lang="en-US" dirty="0">
                 <a:solidFill>
                   <a:srgbClr val="3380E6"/>
                 </a:solidFill>
@@ -7804,12 +7798,6 @@
               </a:rPr>
               <a:t>Course Objectives</a:t>
             </a:r>
-            <a:endParaRPr lang="en-US" dirty="0">
-              <a:solidFill>
-                <a:srgbClr val="3380E6"/>
-              </a:solidFill>
-              <a:latin typeface="Calibri" panose="020F0502020204030204" pitchFamily="34" charset="0"/>
-            </a:endParaRPr>
           </a:p>
         </p:txBody>
       </p:sp>
@@ -7818,7 +7806,7 @@
           <p:cNvPr id="14339" name="Text Placeholder 2">
             <a:extLst>
               <a:ext uri="{FF2B5EF4-FFF2-40B4-BE49-F238E27FC236}">
-                <a16:creationId xmlns="" xmlns:a16="http://schemas.microsoft.com/office/drawing/2014/main" id="{A5674EEA-A6AA-4737-ADE0-15E069D87C6E}"/>
+                <a16:creationId xmlns:a16="http://schemas.microsoft.com/office/drawing/2014/main" id="{A5674EEA-A6AA-4737-ADE0-15E069D87C6E}"/>
               </a:ext>
             </a:extLst>
           </p:cNvPr>
@@ -7836,7 +7824,7 @@
           <a:p>
             <a:pPr lvl="0"/>
             <a:r>
-              <a:rPr lang="en-US" smtClean="0"/>
+              <a:rPr lang="en-US"/>
               <a:t>Learn </a:t>
             </a:r>
             <a:r>
@@ -7847,11 +7835,7 @@
           <a:p>
             <a:r>
               <a:rPr lang="en-US" dirty="0"/>
-              <a:t>Understand the concepts of Inheritance, Encapsulation, and Polymorphism</a:t>
-            </a:r>
-            <a:r>
-              <a:rPr lang="en-US" dirty="0" smtClean="0"/>
-              <a:t>.</a:t>
+              <a:t>Understand the concepts of Inheritance, Encapsulation, and Polymorphism.</a:t>
             </a:r>
             <a:endParaRPr lang="en-US" altLang="en-US" dirty="0">
               <a:solidFill>
@@ -7866,7 +7850,7 @@
           <p:cNvPr id="4" name="Footer Placeholder 3">
             <a:extLst>
               <a:ext uri="{FF2B5EF4-FFF2-40B4-BE49-F238E27FC236}">
-                <a16:creationId xmlns="" xmlns:a16="http://schemas.microsoft.com/office/drawing/2014/main" id="{912A59BC-2C51-47DC-9CE9-C93F65A523C8}"/>
+                <a16:creationId xmlns:a16="http://schemas.microsoft.com/office/drawing/2014/main" id="{912A59BC-2C51-47DC-9CE9-C93F65A523C8}"/>
               </a:ext>
             </a:extLst>
           </p:cNvPr>
@@ -7927,7 +7911,7 @@
           <p:cNvPr id="2" name="Title 1">
             <a:extLst>
               <a:ext uri="{FF2B5EF4-FFF2-40B4-BE49-F238E27FC236}">
-                <a16:creationId xmlns="" xmlns:a16="http://schemas.microsoft.com/office/drawing/2014/main" id="{9FB1ECF4-433B-40E7-952B-CA77A4E73D56}"/>
+                <a16:creationId xmlns:a16="http://schemas.microsoft.com/office/drawing/2014/main" id="{9FB1ECF4-433B-40E7-952B-CA77A4E73D56}"/>
               </a:ext>
             </a:extLst>
           </p:cNvPr>
@@ -7997,7 +7981,7 @@
               <a:t> and </a:t>
             </a:r>
             <a:r>
-              <a:rPr lang="en-US" sz="3200" dirty="0" err="1" smtClean="0">
+              <a:rPr lang="en-US" sz="3200" dirty="0" err="1">
                 <a:solidFill>
                   <a:srgbClr val="3380E6"/>
                 </a:solidFill>
@@ -8006,22 +7990,13 @@
               <a:t>InputMismatchExceptions</a:t>
             </a:r>
             <a:r>
-              <a:rPr lang="en-US" sz="3200" dirty="0" smtClean="0">
+              <a:rPr lang="en-US" sz="3200" dirty="0">
                 <a:solidFill>
                   <a:srgbClr val="3380E6"/>
                 </a:solidFill>
                 <a:latin typeface="Arial"/>
               </a:rPr>
-              <a:t> (Cont</a:t>
-            </a:r>
-            <a:r>
-              <a:rPr lang="en-US" sz="3200" dirty="0">
-                <a:solidFill>
-                  <a:srgbClr val="3380E6"/>
-                </a:solidFill>
-                <a:latin typeface="Arial"/>
-              </a:rPr>
-              <a:t>.)</a:t>
+              <a:t> (Cont.)</a:t>
             </a:r>
           </a:p>
         </p:txBody>
@@ -8031,7 +8006,7 @@
           <p:cNvPr id="14339" name="Text Placeholder 2">
             <a:extLst>
               <a:ext uri="{FF2B5EF4-FFF2-40B4-BE49-F238E27FC236}">
-                <a16:creationId xmlns="" xmlns:a16="http://schemas.microsoft.com/office/drawing/2014/main" id="{A5674EEA-A6AA-4737-ADE0-15E069D87C6E}"/>
+                <a16:creationId xmlns:a16="http://schemas.microsoft.com/office/drawing/2014/main" id="{A5674EEA-A6AA-4737-ADE0-15E069D87C6E}"/>
               </a:ext>
             </a:extLst>
           </p:cNvPr>
@@ -8177,7 +8152,7 @@
           <p:cNvPr id="4" name="Footer Placeholder 3">
             <a:extLst>
               <a:ext uri="{FF2B5EF4-FFF2-40B4-BE49-F238E27FC236}">
-                <a16:creationId xmlns="" xmlns:a16="http://schemas.microsoft.com/office/drawing/2014/main" id="{912A59BC-2C51-47DC-9CE9-C93F65A523C8}"/>
+                <a16:creationId xmlns:a16="http://schemas.microsoft.com/office/drawing/2014/main" id="{912A59BC-2C51-47DC-9CE9-C93F65A523C8}"/>
               </a:ext>
             </a:extLst>
           </p:cNvPr>
@@ -8238,7 +8213,7 @@
           <p:cNvPr id="2" name="Title 1">
             <a:extLst>
               <a:ext uri="{FF2B5EF4-FFF2-40B4-BE49-F238E27FC236}">
-                <a16:creationId xmlns="" xmlns:a16="http://schemas.microsoft.com/office/drawing/2014/main" id="{9FB1ECF4-433B-40E7-952B-CA77A4E73D56}"/>
+                <a16:creationId xmlns:a16="http://schemas.microsoft.com/office/drawing/2014/main" id="{9FB1ECF4-433B-40E7-952B-CA77A4E73D56}"/>
               </a:ext>
             </a:extLst>
           </p:cNvPr>
@@ -8308,7 +8283,7 @@
               <a:t> and </a:t>
             </a:r>
             <a:r>
-              <a:rPr lang="en-US" sz="3200" dirty="0" err="1" smtClean="0">
+              <a:rPr lang="en-US" sz="3200" dirty="0" err="1">
                 <a:solidFill>
                   <a:srgbClr val="3380E6"/>
                 </a:solidFill>
@@ -8317,22 +8292,13 @@
               <a:t>InputMismatchExceptions</a:t>
             </a:r>
             <a:r>
-              <a:rPr lang="en-US" sz="3200" dirty="0" smtClean="0">
+              <a:rPr lang="en-US" sz="3200" dirty="0">
                 <a:solidFill>
                   <a:srgbClr val="3380E6"/>
                 </a:solidFill>
                 <a:latin typeface="Arial"/>
               </a:rPr>
-              <a:t> (Cont</a:t>
-            </a:r>
-            <a:r>
-              <a:rPr lang="en-US" sz="3200" dirty="0">
-                <a:solidFill>
-                  <a:srgbClr val="3380E6"/>
-                </a:solidFill>
-                <a:latin typeface="Arial"/>
-              </a:rPr>
-              <a:t>.)</a:t>
+              <a:t> (Cont.)</a:t>
             </a:r>
           </a:p>
         </p:txBody>
@@ -8342,7 +8308,7 @@
           <p:cNvPr id="14339" name="Text Placeholder 2">
             <a:extLst>
               <a:ext uri="{FF2B5EF4-FFF2-40B4-BE49-F238E27FC236}">
-                <a16:creationId xmlns="" xmlns:a16="http://schemas.microsoft.com/office/drawing/2014/main" id="{A5674EEA-A6AA-4737-ADE0-15E069D87C6E}"/>
+                <a16:creationId xmlns:a16="http://schemas.microsoft.com/office/drawing/2014/main" id="{A5674EEA-A6AA-4737-ADE0-15E069D87C6E}"/>
               </a:ext>
             </a:extLst>
           </p:cNvPr>
@@ -8695,7 +8661,7 @@
           <p:cNvPr id="4" name="Footer Placeholder 3">
             <a:extLst>
               <a:ext uri="{FF2B5EF4-FFF2-40B4-BE49-F238E27FC236}">
-                <a16:creationId xmlns="" xmlns:a16="http://schemas.microsoft.com/office/drawing/2014/main" id="{912A59BC-2C51-47DC-9CE9-C93F65A523C8}"/>
+                <a16:creationId xmlns:a16="http://schemas.microsoft.com/office/drawing/2014/main" id="{912A59BC-2C51-47DC-9CE9-C93F65A523C8}"/>
               </a:ext>
             </a:extLst>
           </p:cNvPr>
@@ -8756,7 +8722,7 @@
           <p:cNvPr id="2" name="Title 1">
             <a:extLst>
               <a:ext uri="{FF2B5EF4-FFF2-40B4-BE49-F238E27FC236}">
-                <a16:creationId xmlns="" xmlns:a16="http://schemas.microsoft.com/office/drawing/2014/main" id="{9FB1ECF4-433B-40E7-952B-CA77A4E73D56}"/>
+                <a16:creationId xmlns:a16="http://schemas.microsoft.com/office/drawing/2014/main" id="{9FB1ECF4-433B-40E7-952B-CA77A4E73D56}"/>
               </a:ext>
             </a:extLst>
           </p:cNvPr>
@@ -8826,7 +8792,7 @@
               <a:t> and </a:t>
             </a:r>
             <a:r>
-              <a:rPr lang="en-US" sz="3200" dirty="0" err="1" smtClean="0">
+              <a:rPr lang="en-US" sz="3200" dirty="0" err="1">
                 <a:solidFill>
                   <a:srgbClr val="3380E6"/>
                 </a:solidFill>
@@ -8835,22 +8801,13 @@
               <a:t>InputMismatchExceptions</a:t>
             </a:r>
             <a:r>
-              <a:rPr lang="en-US" sz="3200" dirty="0" smtClean="0">
+              <a:rPr lang="en-US" sz="3200" dirty="0">
                 <a:solidFill>
                   <a:srgbClr val="3380E6"/>
                 </a:solidFill>
                 <a:latin typeface="Arial"/>
               </a:rPr>
-              <a:t> (Cont</a:t>
-            </a:r>
-            <a:r>
-              <a:rPr lang="en-US" sz="3200" dirty="0">
-                <a:solidFill>
-                  <a:srgbClr val="3380E6"/>
-                </a:solidFill>
-                <a:latin typeface="Arial"/>
-              </a:rPr>
-              <a:t>.)</a:t>
+              <a:t> (Cont.)</a:t>
             </a:r>
           </a:p>
         </p:txBody>
@@ -8860,7 +8817,7 @@
           <p:cNvPr id="14339" name="Text Placeholder 2">
             <a:extLst>
               <a:ext uri="{FF2B5EF4-FFF2-40B4-BE49-F238E27FC236}">
-                <a16:creationId xmlns="" xmlns:a16="http://schemas.microsoft.com/office/drawing/2014/main" id="{A5674EEA-A6AA-4737-ADE0-15E069D87C6E}"/>
+                <a16:creationId xmlns:a16="http://schemas.microsoft.com/office/drawing/2014/main" id="{A5674EEA-A6AA-4737-ADE0-15E069D87C6E}"/>
               </a:ext>
             </a:extLst>
           </p:cNvPr>
@@ -9109,7 +9066,7 @@
           <p:cNvPr id="4" name="Footer Placeholder 3">
             <a:extLst>
               <a:ext uri="{FF2B5EF4-FFF2-40B4-BE49-F238E27FC236}">
-                <a16:creationId xmlns="" xmlns:a16="http://schemas.microsoft.com/office/drawing/2014/main" id="{912A59BC-2C51-47DC-9CE9-C93F65A523C8}"/>
+                <a16:creationId xmlns:a16="http://schemas.microsoft.com/office/drawing/2014/main" id="{912A59BC-2C51-47DC-9CE9-C93F65A523C8}"/>
               </a:ext>
             </a:extLst>
           </p:cNvPr>
@@ -9170,7 +9127,7 @@
           <p:cNvPr id="2" name="Title 1">
             <a:extLst>
               <a:ext uri="{FF2B5EF4-FFF2-40B4-BE49-F238E27FC236}">
-                <a16:creationId xmlns="" xmlns:a16="http://schemas.microsoft.com/office/drawing/2014/main" id="{9FB1ECF4-433B-40E7-952B-CA77A4E73D56}"/>
+                <a16:creationId xmlns:a16="http://schemas.microsoft.com/office/drawing/2014/main" id="{9FB1ECF4-433B-40E7-952B-CA77A4E73D56}"/>
               </a:ext>
             </a:extLst>
           </p:cNvPr>
@@ -9240,7 +9197,7 @@
               <a:t> and </a:t>
             </a:r>
             <a:r>
-              <a:rPr lang="en-US" sz="3200" dirty="0" err="1" smtClean="0">
+              <a:rPr lang="en-US" sz="3200" dirty="0" err="1">
                 <a:solidFill>
                   <a:srgbClr val="3380E6"/>
                 </a:solidFill>
@@ -9249,22 +9206,13 @@
               <a:t>InputMismatchExceptions</a:t>
             </a:r>
             <a:r>
-              <a:rPr lang="en-US" sz="3200" dirty="0" smtClean="0">
+              <a:rPr lang="en-US" sz="3200" dirty="0">
                 <a:solidFill>
                   <a:srgbClr val="3380E6"/>
                 </a:solidFill>
                 <a:latin typeface="Arial"/>
               </a:rPr>
-              <a:t> (Cont</a:t>
-            </a:r>
-            <a:r>
-              <a:rPr lang="en-US" sz="3200" dirty="0">
-                <a:solidFill>
-                  <a:srgbClr val="3380E6"/>
-                </a:solidFill>
-                <a:latin typeface="Arial"/>
-              </a:rPr>
-              <a:t>.)</a:t>
+              <a:t> (Cont.)</a:t>
             </a:r>
           </a:p>
         </p:txBody>
@@ -9274,7 +9222,7 @@
           <p:cNvPr id="14339" name="Text Placeholder 2">
             <a:extLst>
               <a:ext uri="{FF2B5EF4-FFF2-40B4-BE49-F238E27FC236}">
-                <a16:creationId xmlns="" xmlns:a16="http://schemas.microsoft.com/office/drawing/2014/main" id="{A5674EEA-A6AA-4737-ADE0-15E069D87C6E}"/>
+                <a16:creationId xmlns:a16="http://schemas.microsoft.com/office/drawing/2014/main" id="{A5674EEA-A6AA-4737-ADE0-15E069D87C6E}"/>
               </a:ext>
             </a:extLst>
           </p:cNvPr>
@@ -9457,7 +9405,7 @@
           <p:cNvPr id="4" name="Footer Placeholder 3">
             <a:extLst>
               <a:ext uri="{FF2B5EF4-FFF2-40B4-BE49-F238E27FC236}">
-                <a16:creationId xmlns="" xmlns:a16="http://schemas.microsoft.com/office/drawing/2014/main" id="{912A59BC-2C51-47DC-9CE9-C93F65A523C8}"/>
+                <a16:creationId xmlns:a16="http://schemas.microsoft.com/office/drawing/2014/main" id="{912A59BC-2C51-47DC-9CE9-C93F65A523C8}"/>
               </a:ext>
             </a:extLst>
           </p:cNvPr>
@@ -9518,7 +9466,7 @@
           <p:cNvPr id="2" name="Title 1">
             <a:extLst>
               <a:ext uri="{FF2B5EF4-FFF2-40B4-BE49-F238E27FC236}">
-                <a16:creationId xmlns="" xmlns:a16="http://schemas.microsoft.com/office/drawing/2014/main" id="{9FB1ECF4-433B-40E7-952B-CA77A4E73D56}"/>
+                <a16:creationId xmlns:a16="http://schemas.microsoft.com/office/drawing/2014/main" id="{9FB1ECF4-433B-40E7-952B-CA77A4E73D56}"/>
               </a:ext>
             </a:extLst>
           </p:cNvPr>
@@ -9588,7 +9536,7 @@
               <a:t> and </a:t>
             </a:r>
             <a:r>
-              <a:rPr lang="en-US" sz="3200" dirty="0" err="1" smtClean="0">
+              <a:rPr lang="en-US" sz="3200" dirty="0" err="1">
                 <a:solidFill>
                   <a:srgbClr val="3380E6"/>
                 </a:solidFill>
@@ -9597,22 +9545,13 @@
               <a:t>InputMismatchExceptions</a:t>
             </a:r>
             <a:r>
-              <a:rPr lang="en-US" sz="3200" dirty="0" smtClean="0">
+              <a:rPr lang="en-US" sz="3200" dirty="0">
                 <a:solidFill>
                   <a:srgbClr val="3380E6"/>
                 </a:solidFill>
                 <a:latin typeface="Arial"/>
               </a:rPr>
-              <a:t> (Cont</a:t>
-            </a:r>
-            <a:r>
-              <a:rPr lang="en-US" sz="3200" dirty="0">
-                <a:solidFill>
-                  <a:srgbClr val="3380E6"/>
-                </a:solidFill>
-                <a:latin typeface="Arial"/>
-              </a:rPr>
-              <a:t>.)</a:t>
+              <a:t> (Cont.)</a:t>
             </a:r>
           </a:p>
         </p:txBody>
@@ -9622,7 +9561,7 @@
           <p:cNvPr id="14339" name="Text Placeholder 2">
             <a:extLst>
               <a:ext uri="{FF2B5EF4-FFF2-40B4-BE49-F238E27FC236}">
-                <a16:creationId xmlns="" xmlns:a16="http://schemas.microsoft.com/office/drawing/2014/main" id="{A5674EEA-A6AA-4737-ADE0-15E069D87C6E}"/>
+                <a16:creationId xmlns:a16="http://schemas.microsoft.com/office/drawing/2014/main" id="{A5674EEA-A6AA-4737-ADE0-15E069D87C6E}"/>
               </a:ext>
             </a:extLst>
           </p:cNvPr>
@@ -9849,7 +9788,7 @@
           <p:cNvPr id="4" name="Footer Placeholder 3">
             <a:extLst>
               <a:ext uri="{FF2B5EF4-FFF2-40B4-BE49-F238E27FC236}">
-                <a16:creationId xmlns="" xmlns:a16="http://schemas.microsoft.com/office/drawing/2014/main" id="{912A59BC-2C51-47DC-9CE9-C93F65A523C8}"/>
+                <a16:creationId xmlns:a16="http://schemas.microsoft.com/office/drawing/2014/main" id="{912A59BC-2C51-47DC-9CE9-C93F65A523C8}"/>
               </a:ext>
             </a:extLst>
           </p:cNvPr>
@@ -9910,7 +9849,7 @@
           <p:cNvPr id="2" name="Title 1">
             <a:extLst>
               <a:ext uri="{FF2B5EF4-FFF2-40B4-BE49-F238E27FC236}">
-                <a16:creationId xmlns="" xmlns:a16="http://schemas.microsoft.com/office/drawing/2014/main" id="{9FB1ECF4-433B-40E7-952B-CA77A4E73D56}"/>
+                <a16:creationId xmlns:a16="http://schemas.microsoft.com/office/drawing/2014/main" id="{9FB1ECF4-433B-40E7-952B-CA77A4E73D56}"/>
               </a:ext>
             </a:extLst>
           </p:cNvPr>
@@ -9980,7 +9919,7 @@
               <a:t> and </a:t>
             </a:r>
             <a:r>
-              <a:rPr lang="en-US" sz="3200" dirty="0" err="1" smtClean="0">
+              <a:rPr lang="en-US" sz="3200" dirty="0" err="1">
                 <a:solidFill>
                   <a:srgbClr val="3380E6"/>
                 </a:solidFill>
@@ -9989,22 +9928,13 @@
               <a:t>InputMismatchExceptions</a:t>
             </a:r>
             <a:r>
-              <a:rPr lang="en-US" sz="3200" dirty="0" smtClean="0">
+              <a:rPr lang="en-US" sz="3200" dirty="0">
                 <a:solidFill>
                   <a:srgbClr val="3380E6"/>
                 </a:solidFill>
                 <a:latin typeface="Arial"/>
               </a:rPr>
-              <a:t> (Cont</a:t>
-            </a:r>
-            <a:r>
-              <a:rPr lang="en-US" sz="3200" dirty="0">
-                <a:solidFill>
-                  <a:srgbClr val="3380E6"/>
-                </a:solidFill>
-                <a:latin typeface="Arial"/>
-              </a:rPr>
-              <a:t>.)</a:t>
+              <a:t> (Cont.)</a:t>
             </a:r>
           </a:p>
         </p:txBody>
@@ -10014,7 +9944,7 @@
           <p:cNvPr id="14339" name="Text Placeholder 2">
             <a:extLst>
               <a:ext uri="{FF2B5EF4-FFF2-40B4-BE49-F238E27FC236}">
-                <a16:creationId xmlns="" xmlns:a16="http://schemas.microsoft.com/office/drawing/2014/main" id="{A5674EEA-A6AA-4737-ADE0-15E069D87C6E}"/>
+                <a16:creationId xmlns:a16="http://schemas.microsoft.com/office/drawing/2014/main" id="{A5674EEA-A6AA-4737-ADE0-15E069D87C6E}"/>
               </a:ext>
             </a:extLst>
           </p:cNvPr>
@@ -10386,7 +10316,7 @@
           <p:cNvPr id="4" name="Footer Placeholder 3">
             <a:extLst>
               <a:ext uri="{FF2B5EF4-FFF2-40B4-BE49-F238E27FC236}">
-                <a16:creationId xmlns="" xmlns:a16="http://schemas.microsoft.com/office/drawing/2014/main" id="{912A59BC-2C51-47DC-9CE9-C93F65A523C8}"/>
+                <a16:creationId xmlns:a16="http://schemas.microsoft.com/office/drawing/2014/main" id="{912A59BC-2C51-47DC-9CE9-C93F65A523C8}"/>
               </a:ext>
             </a:extLst>
           </p:cNvPr>
@@ -10447,7 +10377,7 @@
           <p:cNvPr id="2" name="Title 1">
             <a:extLst>
               <a:ext uri="{FF2B5EF4-FFF2-40B4-BE49-F238E27FC236}">
-                <a16:creationId xmlns="" xmlns:a16="http://schemas.microsoft.com/office/drawing/2014/main" id="{9FB1ECF4-433B-40E7-952B-CA77A4E73D56}"/>
+                <a16:creationId xmlns:a16="http://schemas.microsoft.com/office/drawing/2014/main" id="{9FB1ECF4-433B-40E7-952B-CA77A4E73D56}"/>
               </a:ext>
             </a:extLst>
           </p:cNvPr>
@@ -10517,7 +10447,7 @@
               <a:t> and </a:t>
             </a:r>
             <a:r>
-              <a:rPr lang="en-US" sz="3200" dirty="0" err="1" smtClean="0">
+              <a:rPr lang="en-US" sz="3200" dirty="0" err="1">
                 <a:solidFill>
                   <a:srgbClr val="3380E6"/>
                 </a:solidFill>
@@ -10526,22 +10456,13 @@
               <a:t>InputMismatchExceptions</a:t>
             </a:r>
             <a:r>
-              <a:rPr lang="en-US" sz="3200" dirty="0" smtClean="0">
+              <a:rPr lang="en-US" sz="3200" dirty="0">
                 <a:solidFill>
                   <a:srgbClr val="3380E6"/>
                 </a:solidFill>
                 <a:latin typeface="Arial"/>
               </a:rPr>
-              <a:t> (Cont</a:t>
-            </a:r>
-            <a:r>
-              <a:rPr lang="en-US" sz="3200" dirty="0">
-                <a:solidFill>
-                  <a:srgbClr val="3380E6"/>
-                </a:solidFill>
-                <a:latin typeface="Arial"/>
-              </a:rPr>
-              <a:t>.)</a:t>
+              <a:t> (Cont.)</a:t>
             </a:r>
           </a:p>
         </p:txBody>
@@ -10551,7 +10472,7 @@
           <p:cNvPr id="14339" name="Text Placeholder 2">
             <a:extLst>
               <a:ext uri="{FF2B5EF4-FFF2-40B4-BE49-F238E27FC236}">
-                <a16:creationId xmlns="" xmlns:a16="http://schemas.microsoft.com/office/drawing/2014/main" id="{A5674EEA-A6AA-4737-ADE0-15E069D87C6E}"/>
+                <a16:creationId xmlns:a16="http://schemas.microsoft.com/office/drawing/2014/main" id="{A5674EEA-A6AA-4737-ADE0-15E069D87C6E}"/>
               </a:ext>
             </a:extLst>
           </p:cNvPr>
@@ -10718,7 +10639,7 @@
           <p:cNvPr id="4" name="Footer Placeholder 3">
             <a:extLst>
               <a:ext uri="{FF2B5EF4-FFF2-40B4-BE49-F238E27FC236}">
-                <a16:creationId xmlns="" xmlns:a16="http://schemas.microsoft.com/office/drawing/2014/main" id="{912A59BC-2C51-47DC-9CE9-C93F65A523C8}"/>
+                <a16:creationId xmlns:a16="http://schemas.microsoft.com/office/drawing/2014/main" id="{912A59BC-2C51-47DC-9CE9-C93F65A523C8}"/>
               </a:ext>
             </a:extLst>
           </p:cNvPr>
@@ -10779,7 +10700,7 @@
           <p:cNvPr id="2" name="Title 1">
             <a:extLst>
               <a:ext uri="{FF2B5EF4-FFF2-40B4-BE49-F238E27FC236}">
-                <a16:creationId xmlns="" xmlns:a16="http://schemas.microsoft.com/office/drawing/2014/main" id="{9FB1ECF4-433B-40E7-952B-CA77A4E73D56}"/>
+                <a16:creationId xmlns:a16="http://schemas.microsoft.com/office/drawing/2014/main" id="{9FB1ECF4-433B-40E7-952B-CA77A4E73D56}"/>
               </a:ext>
             </a:extLst>
           </p:cNvPr>
@@ -10849,7 +10770,7 @@
               <a:t> and </a:t>
             </a:r>
             <a:r>
-              <a:rPr lang="en-US" sz="3200" dirty="0" err="1" smtClean="0">
+              <a:rPr lang="en-US" sz="3200" dirty="0" err="1">
                 <a:solidFill>
                   <a:srgbClr val="3380E6"/>
                 </a:solidFill>
@@ -10858,22 +10779,13 @@
               <a:t>InputMismatchExceptions</a:t>
             </a:r>
             <a:r>
-              <a:rPr lang="en-US" sz="3200" dirty="0" smtClean="0">
+              <a:rPr lang="en-US" sz="3200" dirty="0">
                 <a:solidFill>
                   <a:srgbClr val="3380E6"/>
                 </a:solidFill>
                 <a:latin typeface="Arial"/>
               </a:rPr>
-              <a:t> (Cont</a:t>
-            </a:r>
-            <a:r>
-              <a:rPr lang="en-US" sz="3200" dirty="0">
-                <a:solidFill>
-                  <a:srgbClr val="3380E6"/>
-                </a:solidFill>
-                <a:latin typeface="Arial"/>
-              </a:rPr>
-              <a:t>.)</a:t>
+              <a:t> (Cont.)</a:t>
             </a:r>
           </a:p>
         </p:txBody>
@@ -10883,7 +10795,7 @@
           <p:cNvPr id="14339" name="Text Placeholder 2">
             <a:extLst>
               <a:ext uri="{FF2B5EF4-FFF2-40B4-BE49-F238E27FC236}">
-                <a16:creationId xmlns="" xmlns:a16="http://schemas.microsoft.com/office/drawing/2014/main" id="{A5674EEA-A6AA-4737-ADE0-15E069D87C6E}"/>
+                <a16:creationId xmlns:a16="http://schemas.microsoft.com/office/drawing/2014/main" id="{A5674EEA-A6AA-4737-ADE0-15E069D87C6E}"/>
               </a:ext>
             </a:extLst>
           </p:cNvPr>
@@ -10964,7 +10876,7 @@
           <p:cNvPr id="4" name="Footer Placeholder 3">
             <a:extLst>
               <a:ext uri="{FF2B5EF4-FFF2-40B4-BE49-F238E27FC236}">
-                <a16:creationId xmlns="" xmlns:a16="http://schemas.microsoft.com/office/drawing/2014/main" id="{912A59BC-2C51-47DC-9CE9-C93F65A523C8}"/>
+                <a16:creationId xmlns:a16="http://schemas.microsoft.com/office/drawing/2014/main" id="{912A59BC-2C51-47DC-9CE9-C93F65A523C8}"/>
               </a:ext>
             </a:extLst>
           </p:cNvPr>
@@ -11025,7 +10937,7 @@
           <p:cNvPr id="2" name="Title 1">
             <a:extLst>
               <a:ext uri="{FF2B5EF4-FFF2-40B4-BE49-F238E27FC236}">
-                <a16:creationId xmlns="" xmlns:a16="http://schemas.microsoft.com/office/drawing/2014/main" id="{9FB1ECF4-433B-40E7-952B-CA77A4E73D56}"/>
+                <a16:creationId xmlns:a16="http://schemas.microsoft.com/office/drawing/2014/main" id="{9FB1ECF4-433B-40E7-952B-CA77A4E73D56}"/>
               </a:ext>
             </a:extLst>
           </p:cNvPr>
@@ -11050,25 +10962,16 @@
               <a:defRPr/>
             </a:pPr>
             <a:r>
-              <a:rPr lang="en-US" dirty="0" smtClean="0">
+              <a:rPr lang="en-US" dirty="0">
                 <a:solidFill>
                   <a:srgbClr val="24B5A1"/>
                 </a:solidFill>
                 <a:latin typeface="Arial"/>
               </a:rPr>
-              <a:t>11.4</a:t>
+              <a:t>11.4  </a:t>
             </a:r>
             <a:r>
               <a:rPr lang="en-US" dirty="0">
-                <a:solidFill>
-                  <a:srgbClr val="24B5A1"/>
-                </a:solidFill>
-                <a:latin typeface="Arial"/>
-              </a:rPr>
-              <a:t>  </a:t>
-            </a:r>
-            <a:r>
-              <a:rPr lang="en-US" dirty="0" smtClean="0">
                 <a:solidFill>
                   <a:srgbClr val="3380E6"/>
                 </a:solidFill>
@@ -11090,7 +10993,7 @@
           <p:cNvPr id="14339" name="Text Placeholder 2">
             <a:extLst>
               <a:ext uri="{FF2B5EF4-FFF2-40B4-BE49-F238E27FC236}">
-                <a16:creationId xmlns="" xmlns:a16="http://schemas.microsoft.com/office/drawing/2014/main" id="{A5674EEA-A6AA-4737-ADE0-15E069D87C6E}"/>
+                <a16:creationId xmlns:a16="http://schemas.microsoft.com/office/drawing/2014/main" id="{A5674EEA-A6AA-4737-ADE0-15E069D87C6E}"/>
               </a:ext>
             </a:extLst>
           </p:cNvPr>
@@ -11212,7 +11115,7 @@
           <p:cNvPr id="4" name="Footer Placeholder 3">
             <a:extLst>
               <a:ext uri="{FF2B5EF4-FFF2-40B4-BE49-F238E27FC236}">
-                <a16:creationId xmlns="" xmlns:a16="http://schemas.microsoft.com/office/drawing/2014/main" id="{912A59BC-2C51-47DC-9CE9-C93F65A523C8}"/>
+                <a16:creationId xmlns:a16="http://schemas.microsoft.com/office/drawing/2014/main" id="{912A59BC-2C51-47DC-9CE9-C93F65A523C8}"/>
               </a:ext>
             </a:extLst>
           </p:cNvPr>
@@ -11273,7 +11176,7 @@
           <p:cNvPr id="2" name="Title 1">
             <a:extLst>
               <a:ext uri="{FF2B5EF4-FFF2-40B4-BE49-F238E27FC236}">
-                <a16:creationId xmlns="" xmlns:a16="http://schemas.microsoft.com/office/drawing/2014/main" id="{9FB1ECF4-433B-40E7-952B-CA77A4E73D56}"/>
+                <a16:creationId xmlns:a16="http://schemas.microsoft.com/office/drawing/2014/main" id="{9FB1ECF4-433B-40E7-952B-CA77A4E73D56}"/>
               </a:ext>
             </a:extLst>
           </p:cNvPr>
@@ -11298,25 +11201,16 @@
               <a:defRPr/>
             </a:pPr>
             <a:r>
-              <a:rPr lang="en-US" dirty="0" smtClean="0">
+              <a:rPr lang="en-US" dirty="0">
                 <a:solidFill>
                   <a:srgbClr val="24B5A1"/>
                 </a:solidFill>
                 <a:latin typeface="Arial"/>
               </a:rPr>
-              <a:t>11.4</a:t>
+              <a:t>11.4  </a:t>
             </a:r>
             <a:r>
               <a:rPr lang="en-US" dirty="0">
-                <a:solidFill>
-                  <a:srgbClr val="24B5A1"/>
-                </a:solidFill>
-                <a:latin typeface="Arial"/>
-              </a:rPr>
-              <a:t>  </a:t>
-            </a:r>
-            <a:r>
-              <a:rPr lang="en-US" dirty="0" smtClean="0">
                 <a:solidFill>
                   <a:srgbClr val="3380E6"/>
                 </a:solidFill>
@@ -11338,7 +11232,7 @@
           <p:cNvPr id="14339" name="Text Placeholder 2">
             <a:extLst>
               <a:ext uri="{FF2B5EF4-FFF2-40B4-BE49-F238E27FC236}">
-                <a16:creationId xmlns="" xmlns:a16="http://schemas.microsoft.com/office/drawing/2014/main" id="{A5674EEA-A6AA-4737-ADE0-15E069D87C6E}"/>
+                <a16:creationId xmlns:a16="http://schemas.microsoft.com/office/drawing/2014/main" id="{A5674EEA-A6AA-4737-ADE0-15E069D87C6E}"/>
               </a:ext>
             </a:extLst>
           </p:cNvPr>
@@ -11436,7 +11330,7 @@
           <p:cNvPr id="4" name="Footer Placeholder 3">
             <a:extLst>
               <a:ext uri="{FF2B5EF4-FFF2-40B4-BE49-F238E27FC236}">
-                <a16:creationId xmlns="" xmlns:a16="http://schemas.microsoft.com/office/drawing/2014/main" id="{912A59BC-2C51-47DC-9CE9-C93F65A523C8}"/>
+                <a16:creationId xmlns:a16="http://schemas.microsoft.com/office/drawing/2014/main" id="{912A59BC-2C51-47DC-9CE9-C93F65A523C8}"/>
               </a:ext>
             </a:extLst>
           </p:cNvPr>
@@ -11497,7 +11391,7 @@
           <p:cNvPr id="2" name="Title 1">
             <a:extLst>
               <a:ext uri="{FF2B5EF4-FFF2-40B4-BE49-F238E27FC236}">
-                <a16:creationId xmlns="" xmlns:a16="http://schemas.microsoft.com/office/drawing/2014/main" id="{9FB1ECF4-433B-40E7-952B-CA77A4E73D56}"/>
+                <a16:creationId xmlns:a16="http://schemas.microsoft.com/office/drawing/2014/main" id="{9FB1ECF4-433B-40E7-952B-CA77A4E73D56}"/>
               </a:ext>
             </a:extLst>
           </p:cNvPr>
@@ -11520,7 +11414,7 @@
               <a:defRPr/>
             </a:pPr>
             <a:r>
-              <a:rPr lang="en-US" dirty="0" smtClean="0">
+              <a:rPr lang="en-US" dirty="0">
                 <a:solidFill>
                   <a:srgbClr val="3380E6"/>
                 </a:solidFill>
@@ -11528,12 +11422,6 @@
               </a:rPr>
               <a:t>Chapter Objectives</a:t>
             </a:r>
-            <a:endParaRPr lang="en-US" dirty="0">
-              <a:solidFill>
-                <a:srgbClr val="3380E6"/>
-              </a:solidFill>
-              <a:latin typeface="Calibri" panose="020F0502020204030204" pitchFamily="34" charset="0"/>
-            </a:endParaRPr>
           </a:p>
         </p:txBody>
       </p:sp>
@@ -11542,7 +11430,7 @@
           <p:cNvPr id="14339" name="Text Placeholder 2">
             <a:extLst>
               <a:ext uri="{FF2B5EF4-FFF2-40B4-BE49-F238E27FC236}">
-                <a16:creationId xmlns="" xmlns:a16="http://schemas.microsoft.com/office/drawing/2014/main" id="{A5674EEA-A6AA-4737-ADE0-15E069D87C6E}"/>
+                <a16:creationId xmlns:a16="http://schemas.microsoft.com/office/drawing/2014/main" id="{A5674EEA-A6AA-4737-ADE0-15E069D87C6E}"/>
               </a:ext>
             </a:extLst>
           </p:cNvPr>
@@ -11560,7 +11448,7 @@
           <a:p>
             <a:pPr eaLnBrk="1" hangingPunct="1"/>
             <a:r>
-              <a:rPr lang="en-US" altLang="en-US" dirty="0" smtClean="0">
+              <a:rPr lang="en-US" altLang="en-US" dirty="0">
                 <a:solidFill>
                   <a:srgbClr val="000000"/>
                 </a:solidFill>
@@ -11571,7 +11459,7 @@
           <a:p>
             <a:pPr eaLnBrk="1" hangingPunct="1"/>
             <a:r>
-              <a:rPr lang="en-US" altLang="en-US" dirty="0" smtClean="0">
+              <a:rPr lang="en-US" altLang="en-US" dirty="0">
                 <a:solidFill>
                   <a:srgbClr val="000000"/>
                 </a:solidFill>
@@ -11588,7 +11476,7 @@
               <a:t>try</a:t>
             </a:r>
             <a:r>
-              <a:rPr lang="en-US" altLang="en-US" dirty="0" smtClean="0">
+              <a:rPr lang="en-US" altLang="en-US" dirty="0">
                 <a:solidFill>
                   <a:srgbClr val="000000"/>
                 </a:solidFill>
@@ -11599,7 +11487,7 @@
           <a:p>
             <a:pPr eaLnBrk="1" hangingPunct="1"/>
             <a:r>
-              <a:rPr lang="en-US" altLang="en-US" dirty="0" smtClean="0">
+              <a:rPr lang="en-US" altLang="en-US" dirty="0">
                 <a:solidFill>
                   <a:srgbClr val="000000"/>
                 </a:solidFill>
@@ -11616,7 +11504,7 @@
               <a:t>throw</a:t>
             </a:r>
             <a:r>
-              <a:rPr lang="en-US" altLang="en-US" dirty="0" smtClean="0">
+              <a:rPr lang="en-US" altLang="en-US" dirty="0">
                 <a:solidFill>
                   <a:srgbClr val="000000"/>
                 </a:solidFill>
@@ -11627,7 +11515,7 @@
           <a:p>
             <a:pPr eaLnBrk="1" hangingPunct="1"/>
             <a:r>
-              <a:rPr lang="en-US" altLang="en-US" dirty="0" smtClean="0">
+              <a:rPr lang="en-US" altLang="en-US" dirty="0">
                 <a:solidFill>
                   <a:srgbClr val="000000"/>
                 </a:solidFill>
@@ -11644,7 +11532,7 @@
               <a:t>catch</a:t>
             </a:r>
             <a:r>
-              <a:rPr lang="en-US" altLang="en-US" dirty="0" smtClean="0">
+              <a:rPr lang="en-US" altLang="en-US" dirty="0">
                 <a:solidFill>
                   <a:srgbClr val="000000"/>
                 </a:solidFill>
@@ -11655,7 +11543,7 @@
           <a:p>
             <a:pPr eaLnBrk="1" hangingPunct="1"/>
             <a:r>
-              <a:rPr lang="en-US" altLang="en-US" dirty="0" smtClean="0">
+              <a:rPr lang="en-US" altLang="en-US" dirty="0">
                 <a:solidFill>
                   <a:srgbClr val="000000"/>
                 </a:solidFill>
@@ -11666,7 +11554,7 @@
           <a:p>
             <a:pPr eaLnBrk="1" hangingPunct="1"/>
             <a:r>
-              <a:rPr lang="en-US" altLang="en-US" dirty="0" smtClean="0">
+              <a:rPr lang="en-US" altLang="en-US" dirty="0">
                 <a:solidFill>
                   <a:srgbClr val="000000"/>
                 </a:solidFill>
@@ -11683,18 +11571,13 @@
               <a:t>finally</a:t>
             </a:r>
             <a:r>
-              <a:rPr lang="en-US" altLang="en-US" dirty="0" smtClean="0">
+              <a:rPr lang="en-US" altLang="en-US" dirty="0">
                 <a:solidFill>
                   <a:srgbClr val="000000"/>
                 </a:solidFill>
               </a:rPr>
               <a:t> block to release resources. </a:t>
             </a:r>
-            <a:endParaRPr lang="en-US" altLang="en-US" dirty="0">
-              <a:solidFill>
-                <a:srgbClr val="000000"/>
-              </a:solidFill>
-            </a:endParaRPr>
           </a:p>
         </p:txBody>
       </p:sp>
@@ -11703,7 +11586,7 @@
           <p:cNvPr id="4" name="Footer Placeholder 3">
             <a:extLst>
               <a:ext uri="{FF2B5EF4-FFF2-40B4-BE49-F238E27FC236}">
-                <a16:creationId xmlns="" xmlns:a16="http://schemas.microsoft.com/office/drawing/2014/main" id="{912A59BC-2C51-47DC-9CE9-C93F65A523C8}"/>
+                <a16:creationId xmlns:a16="http://schemas.microsoft.com/office/drawing/2014/main" id="{912A59BC-2C51-47DC-9CE9-C93F65A523C8}"/>
               </a:ext>
             </a:extLst>
           </p:cNvPr>
@@ -11764,7 +11647,7 @@
           <p:cNvPr id="2" name="Title 1">
             <a:extLst>
               <a:ext uri="{FF2B5EF4-FFF2-40B4-BE49-F238E27FC236}">
-                <a16:creationId xmlns="" xmlns:a16="http://schemas.microsoft.com/office/drawing/2014/main" id="{9FB1ECF4-433B-40E7-952B-CA77A4E73D56}"/>
+                <a16:creationId xmlns:a16="http://schemas.microsoft.com/office/drawing/2014/main" id="{9FB1ECF4-433B-40E7-952B-CA77A4E73D56}"/>
               </a:ext>
             </a:extLst>
           </p:cNvPr>
@@ -11789,7 +11672,7 @@
               <a:defRPr/>
             </a:pPr>
             <a:r>
-              <a:rPr lang="en-US" dirty="0" smtClean="0">
+              <a:rPr lang="en-US" dirty="0">
                 <a:solidFill>
                   <a:srgbClr val="24B5A1"/>
                 </a:solidFill>
@@ -11798,7 +11681,7 @@
               <a:t>11.5  </a:t>
             </a:r>
             <a:r>
-              <a:rPr lang="en-US" dirty="0" smtClean="0">
+              <a:rPr lang="en-US" dirty="0">
                 <a:solidFill>
                   <a:srgbClr val="3380E6"/>
                 </a:solidFill>
@@ -11820,7 +11703,7 @@
           <p:cNvPr id="14339" name="Text Placeholder 2">
             <a:extLst>
               <a:ext uri="{FF2B5EF4-FFF2-40B4-BE49-F238E27FC236}">
-                <a16:creationId xmlns="" xmlns:a16="http://schemas.microsoft.com/office/drawing/2014/main" id="{A5674EEA-A6AA-4737-ADE0-15E069D87C6E}"/>
+                <a16:creationId xmlns:a16="http://schemas.microsoft.com/office/drawing/2014/main" id="{A5674EEA-A6AA-4737-ADE0-15E069D87C6E}"/>
               </a:ext>
             </a:extLst>
           </p:cNvPr>
@@ -12084,7 +11967,7 @@
           <p:cNvPr id="4" name="Footer Placeholder 3">
             <a:extLst>
               <a:ext uri="{FF2B5EF4-FFF2-40B4-BE49-F238E27FC236}">
-                <a16:creationId xmlns="" xmlns:a16="http://schemas.microsoft.com/office/drawing/2014/main" id="{912A59BC-2C51-47DC-9CE9-C93F65A523C8}"/>
+                <a16:creationId xmlns:a16="http://schemas.microsoft.com/office/drawing/2014/main" id="{912A59BC-2C51-47DC-9CE9-C93F65A523C8}"/>
               </a:ext>
             </a:extLst>
           </p:cNvPr>
@@ -12145,7 +12028,7 @@
           <p:cNvPr id="2" name="Title 1">
             <a:extLst>
               <a:ext uri="{FF2B5EF4-FFF2-40B4-BE49-F238E27FC236}">
-                <a16:creationId xmlns="" xmlns:a16="http://schemas.microsoft.com/office/drawing/2014/main" id="{9FB1ECF4-433B-40E7-952B-CA77A4E73D56}"/>
+                <a16:creationId xmlns:a16="http://schemas.microsoft.com/office/drawing/2014/main" id="{9FB1ECF4-433B-40E7-952B-CA77A4E73D56}"/>
               </a:ext>
             </a:extLst>
           </p:cNvPr>
@@ -12170,7 +12053,7 @@
               <a:defRPr/>
             </a:pPr>
             <a:r>
-              <a:rPr lang="en-US" dirty="0" smtClean="0">
+              <a:rPr lang="en-US" dirty="0">
                 <a:solidFill>
                   <a:srgbClr val="24B5A1"/>
                 </a:solidFill>
@@ -12179,7 +12062,7 @@
               <a:t>11.5  </a:t>
             </a:r>
             <a:r>
-              <a:rPr lang="en-US" dirty="0" smtClean="0">
+              <a:rPr lang="en-US" dirty="0">
                 <a:solidFill>
                   <a:srgbClr val="3380E6"/>
                 </a:solidFill>
@@ -12201,7 +12084,7 @@
           <p:cNvPr id="14339" name="Text Placeholder 2">
             <a:extLst>
               <a:ext uri="{FF2B5EF4-FFF2-40B4-BE49-F238E27FC236}">
-                <a16:creationId xmlns="" xmlns:a16="http://schemas.microsoft.com/office/drawing/2014/main" id="{A5674EEA-A6AA-4737-ADE0-15E069D87C6E}"/>
+                <a16:creationId xmlns:a16="http://schemas.microsoft.com/office/drawing/2014/main" id="{A5674EEA-A6AA-4737-ADE0-15E069D87C6E}"/>
               </a:ext>
             </a:extLst>
           </p:cNvPr>
@@ -12356,7 +12239,7 @@
           <p:cNvPr id="4" name="Footer Placeholder 3">
             <a:extLst>
               <a:ext uri="{FF2B5EF4-FFF2-40B4-BE49-F238E27FC236}">
-                <a16:creationId xmlns="" xmlns:a16="http://schemas.microsoft.com/office/drawing/2014/main" id="{912A59BC-2C51-47DC-9CE9-C93F65A523C8}"/>
+                <a16:creationId xmlns:a16="http://schemas.microsoft.com/office/drawing/2014/main" id="{912A59BC-2C51-47DC-9CE9-C93F65A523C8}"/>
               </a:ext>
             </a:extLst>
           </p:cNvPr>
@@ -12417,7 +12300,7 @@
           <p:cNvPr id="3" name="Picture 2" descr="jhtp_11_Exceptions_Page_24">
             <a:extLst>
               <a:ext uri="{FF2B5EF4-FFF2-40B4-BE49-F238E27FC236}">
-                <a16:creationId xmlns="" xmlns:a16="http://schemas.microsoft.com/office/drawing/2014/main" id="{3AEB2888-619C-4953-B1E7-892F217E448A}"/>
+                <a16:creationId xmlns:a16="http://schemas.microsoft.com/office/drawing/2014/main" id="{3AEB2888-619C-4953-B1E7-892F217E448A}"/>
               </a:ext>
             </a:extLst>
           </p:cNvPr>
@@ -12454,7 +12337,7 @@
           <p:cNvPr id="4" name="Footer Placeholder 3">
             <a:extLst>
               <a:ext uri="{FF2B5EF4-FFF2-40B4-BE49-F238E27FC236}">
-                <a16:creationId xmlns="" xmlns:a16="http://schemas.microsoft.com/office/drawing/2014/main" id="{D42954D7-116F-48BF-8DDE-9D169E524230}"/>
+                <a16:creationId xmlns:a16="http://schemas.microsoft.com/office/drawing/2014/main" id="{D42954D7-116F-48BF-8DDE-9D169E524230}"/>
               </a:ext>
             </a:extLst>
           </p:cNvPr>
@@ -12512,7 +12395,7 @@
           <p:cNvPr id="2" name="Title 1">
             <a:extLst>
               <a:ext uri="{FF2B5EF4-FFF2-40B4-BE49-F238E27FC236}">
-                <a16:creationId xmlns="" xmlns:a16="http://schemas.microsoft.com/office/drawing/2014/main" id="{9FB1ECF4-433B-40E7-952B-CA77A4E73D56}"/>
+                <a16:creationId xmlns:a16="http://schemas.microsoft.com/office/drawing/2014/main" id="{9FB1ECF4-433B-40E7-952B-CA77A4E73D56}"/>
               </a:ext>
             </a:extLst>
           </p:cNvPr>
@@ -12537,7 +12420,7 @@
               <a:defRPr/>
             </a:pPr>
             <a:r>
-              <a:rPr lang="en-US" dirty="0" smtClean="0">
+              <a:rPr lang="en-US" dirty="0">
                 <a:solidFill>
                   <a:srgbClr val="24B5A1"/>
                 </a:solidFill>
@@ -12546,7 +12429,7 @@
               <a:t>11.5  </a:t>
             </a:r>
             <a:r>
-              <a:rPr lang="en-US" dirty="0" smtClean="0">
+              <a:rPr lang="en-US" dirty="0">
                 <a:solidFill>
                   <a:srgbClr val="3380E6"/>
                 </a:solidFill>
@@ -12568,7 +12451,7 @@
           <p:cNvPr id="14339" name="Text Placeholder 2">
             <a:extLst>
               <a:ext uri="{FF2B5EF4-FFF2-40B4-BE49-F238E27FC236}">
-                <a16:creationId xmlns="" xmlns:a16="http://schemas.microsoft.com/office/drawing/2014/main" id="{A5674EEA-A6AA-4737-ADE0-15E069D87C6E}"/>
+                <a16:creationId xmlns:a16="http://schemas.microsoft.com/office/drawing/2014/main" id="{A5674EEA-A6AA-4737-ADE0-15E069D87C6E}"/>
               </a:ext>
             </a:extLst>
           </p:cNvPr>
@@ -12590,7 +12473,7 @@
               </a:lnSpc>
             </a:pPr>
             <a:r>
-              <a:rPr lang="en-US" altLang="en-US" sz="2500" dirty="0" smtClean="0">
+              <a:rPr lang="en-US" altLang="en-US" sz="2500" dirty="0">
                 <a:solidFill>
                   <a:srgbClr val="0000FF"/>
                 </a:solidFill>
@@ -12599,7 +12482,7 @@
               <a:t>Checked exceptions</a:t>
             </a:r>
             <a:r>
-              <a:rPr lang="en-US" altLang="en-US" sz="2500" dirty="0" smtClean="0">
+              <a:rPr lang="en-US" altLang="en-US" sz="2500" dirty="0">
                 <a:solidFill>
                   <a:srgbClr val="000000"/>
                 </a:solidFill>
@@ -12608,7 +12491,7 @@
               <a:t> vs. </a:t>
             </a:r>
             <a:r>
-              <a:rPr lang="en-US" altLang="en-US" sz="2500" dirty="0" smtClean="0">
+              <a:rPr lang="en-US" altLang="en-US" sz="2500" dirty="0">
                 <a:solidFill>
                   <a:srgbClr val="0000FF"/>
                 </a:solidFill>
@@ -12617,7 +12500,7 @@
               <a:t>unchecked exceptions</a:t>
             </a:r>
             <a:r>
-              <a:rPr lang="en-US" altLang="en-US" sz="2500" dirty="0" smtClean="0">
+              <a:rPr lang="en-US" altLang="en-US" sz="2500" dirty="0">
                 <a:solidFill>
                   <a:srgbClr val="000000"/>
                 </a:solidFill>
@@ -12633,7 +12516,7 @@
               </a:lnSpc>
             </a:pPr>
             <a:r>
-              <a:rPr lang="en-US" altLang="en-US" sz="2100" dirty="0" smtClean="0">
+              <a:rPr lang="en-US" altLang="en-US" sz="2100" dirty="0">
                 <a:solidFill>
                   <a:srgbClr val="000000"/>
                 </a:solidFill>
@@ -12642,7 +12525,7 @@
               <a:t>Compiler enforces a </a:t>
             </a:r>
             <a:r>
-              <a:rPr lang="en-US" altLang="en-US" sz="2100" dirty="0" smtClean="0">
+              <a:rPr lang="en-US" altLang="en-US" sz="2100" dirty="0">
                 <a:solidFill>
                   <a:srgbClr val="0000FF"/>
                 </a:solidFill>
@@ -12651,7 +12534,7 @@
               <a:t>catch-or-declare requirement</a:t>
             </a:r>
             <a:r>
-              <a:rPr lang="en-US" altLang="en-US" sz="2100" dirty="0" smtClean="0">
+              <a:rPr lang="en-US" altLang="en-US" sz="2100" dirty="0">
                 <a:solidFill>
                   <a:srgbClr val="000000"/>
                 </a:solidFill>
@@ -12660,7 +12543,7 @@
               <a:t> for </a:t>
             </a:r>
             <a:r>
-              <a:rPr lang="en-US" altLang="en-US" sz="2100" i="1" dirty="0" smtClean="0">
+              <a:rPr lang="en-US" altLang="en-US" sz="2100" i="1" dirty="0">
                 <a:solidFill>
                   <a:srgbClr val="000000"/>
                 </a:solidFill>
@@ -12669,7 +12552,7 @@
               <a:t>checked</a:t>
             </a:r>
             <a:r>
-              <a:rPr lang="en-US" altLang="en-US" sz="2100" dirty="0" smtClean="0">
+              <a:rPr lang="en-US" altLang="en-US" sz="2100" dirty="0">
                 <a:solidFill>
                   <a:srgbClr val="000000"/>
                 </a:solidFill>
@@ -12685,7 +12568,7 @@
               </a:lnSpc>
             </a:pPr>
             <a:r>
-              <a:rPr lang="en-US" altLang="en-US" sz="2500" dirty="0" smtClean="0">
+              <a:rPr lang="en-US" altLang="en-US" sz="2500" dirty="0">
                 <a:solidFill>
                   <a:srgbClr val="000000"/>
                 </a:solidFill>
@@ -12701,7 +12584,7 @@
               </a:lnSpc>
             </a:pPr>
             <a:r>
-              <a:rPr lang="en-US" altLang="en-US" sz="2500" dirty="0" smtClean="0">
+              <a:rPr lang="en-US" altLang="en-US" sz="2500" dirty="0">
                 <a:solidFill>
                   <a:srgbClr val="000000"/>
                 </a:solidFill>
@@ -12710,7 +12593,7 @@
               <a:t>Direct or indirect subclasses of class </a:t>
             </a:r>
             <a:r>
-              <a:rPr lang="en-US" altLang="en-US" sz="2500" dirty="0" err="1" smtClean="0">
+              <a:rPr lang="en-US" altLang="en-US" sz="2500" dirty="0" err="1">
                 <a:solidFill>
                   <a:srgbClr val="0000FF"/>
                 </a:solidFill>
@@ -12719,7 +12602,7 @@
               <a:t>RuntimeException</a:t>
             </a:r>
             <a:r>
-              <a:rPr lang="en-US" altLang="en-US" sz="2500" dirty="0" smtClean="0">
+              <a:rPr lang="en-US" altLang="en-US" sz="2500" dirty="0">
                 <a:solidFill>
                   <a:srgbClr val="000000"/>
                 </a:solidFill>
@@ -12728,7 +12611,7 @@
               <a:t> </a:t>
             </a:r>
             <a:br>
-              <a:rPr lang="en-US" altLang="en-US" sz="2500" dirty="0" smtClean="0">
+              <a:rPr lang="en-US" altLang="en-US" sz="2500" dirty="0">
                 <a:solidFill>
                   <a:srgbClr val="000000"/>
                 </a:solidFill>
@@ -12736,7 +12619,7 @@
               </a:rPr>
             </a:br>
             <a:r>
-              <a:rPr lang="en-US" altLang="en-US" sz="2500" dirty="0" smtClean="0">
+              <a:rPr lang="en-US" altLang="en-US" sz="2500" dirty="0">
                 <a:solidFill>
                   <a:srgbClr val="000000"/>
                 </a:solidFill>
@@ -12745,7 +12628,7 @@
               <a:t>(package </a:t>
             </a:r>
             <a:r>
-              <a:rPr lang="en-US" altLang="en-US" sz="2500" dirty="0" err="1" smtClean="0">
+              <a:rPr lang="en-US" altLang="en-US" sz="2500" dirty="0" err="1">
                 <a:solidFill>
                   <a:srgbClr val="000000"/>
                 </a:solidFill>
@@ -12754,7 +12637,7 @@
               <a:t>java.lang</a:t>
             </a:r>
             <a:r>
-              <a:rPr lang="en-US" altLang="en-US" sz="2500" dirty="0" smtClean="0">
+              <a:rPr lang="en-US" altLang="en-US" sz="2500" dirty="0">
                 <a:solidFill>
                   <a:srgbClr val="000000"/>
                 </a:solidFill>
@@ -12763,7 +12646,7 @@
               <a:t>) are </a:t>
             </a:r>
             <a:r>
-              <a:rPr lang="en-US" altLang="en-US" sz="2500" i="1" dirty="0" smtClean="0">
+              <a:rPr lang="en-US" altLang="en-US" sz="2500" i="1" dirty="0">
                 <a:solidFill>
                   <a:srgbClr val="000000"/>
                 </a:solidFill>
@@ -12772,7 +12655,7 @@
               <a:t>unchecked </a:t>
             </a:r>
             <a:r>
-              <a:rPr lang="en-US" altLang="en-US" sz="2500" dirty="0" smtClean="0">
+              <a:rPr lang="en-US" altLang="en-US" sz="2500" dirty="0">
                 <a:solidFill>
                   <a:srgbClr val="000000"/>
                 </a:solidFill>
@@ -12788,7 +12671,7 @@
               </a:lnSpc>
             </a:pPr>
             <a:r>
-              <a:rPr lang="en-US" altLang="en-US" sz="2500" dirty="0" smtClean="0">
+              <a:rPr lang="en-US" altLang="en-US" sz="2500" dirty="0">
                 <a:solidFill>
                   <a:srgbClr val="000000"/>
                 </a:solidFill>
@@ -12804,7 +12687,7 @@
               </a:lnSpc>
             </a:pPr>
             <a:r>
-              <a:rPr lang="en-US" altLang="en-US" sz="2500" dirty="0" err="1" smtClean="0">
+              <a:rPr lang="en-US" altLang="en-US" sz="2500" dirty="0" err="1">
                 <a:solidFill>
                   <a:srgbClr val="000000"/>
                 </a:solidFill>
@@ -12813,7 +12696,7 @@
               <a:t>ArrayIndexOutOfBoundsException</a:t>
             </a:r>
             <a:r>
-              <a:rPr lang="en-US" altLang="en-US" sz="2500" dirty="0" err="1" smtClean="0">
+              <a:rPr lang="en-US" altLang="en-US" sz="2500" dirty="0" err="1">
                 <a:solidFill>
                   <a:srgbClr val="000000"/>
                 </a:solidFill>
@@ -12821,7 +12704,7 @@
               </a:rPr>
               <a:t>s</a:t>
             </a:r>
-            <a:endParaRPr lang="en-US" altLang="en-US" sz="2500" dirty="0" smtClean="0">
+            <a:endParaRPr lang="en-US" altLang="en-US" sz="2500" dirty="0">
               <a:solidFill>
                 <a:srgbClr val="000000"/>
               </a:solidFill>
@@ -12835,7 +12718,7 @@
               </a:lnSpc>
             </a:pPr>
             <a:r>
-              <a:rPr lang="en-US" altLang="en-US" sz="2500" dirty="0" err="1" smtClean="0">
+              <a:rPr lang="en-US" altLang="en-US" sz="2500" dirty="0" err="1">
                 <a:solidFill>
                   <a:srgbClr val="000000"/>
                 </a:solidFill>
@@ -12844,7 +12727,7 @@
               <a:t>ArithmeticException</a:t>
             </a:r>
             <a:r>
-              <a:rPr lang="en-US" altLang="en-US" sz="2500" dirty="0" err="1" smtClean="0">
+              <a:rPr lang="en-US" altLang="en-US" sz="2500" dirty="0" err="1">
                 <a:solidFill>
                   <a:srgbClr val="000000"/>
                 </a:solidFill>
@@ -12852,7 +12735,7 @@
               </a:rPr>
               <a:t>s</a:t>
             </a:r>
-            <a:endParaRPr lang="en-US" altLang="en-US" sz="2500" dirty="0" smtClean="0">
+            <a:endParaRPr lang="en-US" altLang="en-US" sz="2500" dirty="0">
               <a:solidFill>
                 <a:srgbClr val="000000"/>
               </a:solidFill>
@@ -12866,7 +12749,7 @@
               </a:lnSpc>
             </a:pPr>
             <a:r>
-              <a:rPr lang="en-US" altLang="en-US" sz="2500" dirty="0" smtClean="0">
+              <a:rPr lang="en-US" altLang="en-US" sz="2500" dirty="0">
                 <a:solidFill>
                   <a:srgbClr val="000000"/>
                 </a:solidFill>
@@ -12875,7 +12758,7 @@
               <a:t>Subclasses of </a:t>
             </a:r>
             <a:r>
-              <a:rPr lang="en-US" altLang="en-US" sz="2500" dirty="0" smtClean="0">
+              <a:rPr lang="en-US" altLang="en-US" sz="2500" dirty="0">
                 <a:solidFill>
                   <a:srgbClr val="000000"/>
                 </a:solidFill>
@@ -12884,7 +12767,7 @@
               <a:t>Exception</a:t>
             </a:r>
             <a:r>
-              <a:rPr lang="en-US" altLang="en-US" sz="2500" dirty="0" smtClean="0">
+              <a:rPr lang="en-US" altLang="en-US" sz="2500" dirty="0">
                 <a:solidFill>
                   <a:srgbClr val="000000"/>
                 </a:solidFill>
@@ -12893,7 +12776,7 @@
               <a:t> but not </a:t>
             </a:r>
             <a:r>
-              <a:rPr lang="en-US" altLang="en-US" sz="2500" dirty="0" err="1" smtClean="0">
+              <a:rPr lang="en-US" altLang="en-US" sz="2500" dirty="0" err="1">
                 <a:solidFill>
                   <a:srgbClr val="000000"/>
                 </a:solidFill>
@@ -12902,7 +12785,7 @@
               <a:t>RuntimeException</a:t>
             </a:r>
             <a:r>
-              <a:rPr lang="en-US" altLang="en-US" sz="2500" dirty="0" smtClean="0">
+              <a:rPr lang="en-US" altLang="en-US" sz="2500" dirty="0">
                 <a:solidFill>
                   <a:srgbClr val="000000"/>
                 </a:solidFill>
@@ -12911,7 +12794,7 @@
               <a:t> are </a:t>
             </a:r>
             <a:r>
-              <a:rPr lang="en-US" altLang="en-US" sz="2500" i="1" dirty="0" smtClean="0">
+              <a:rPr lang="en-US" altLang="en-US" sz="2500" i="1" dirty="0">
                 <a:solidFill>
                   <a:srgbClr val="000000"/>
                 </a:solidFill>
@@ -12920,7 +12803,7 @@
               <a:t>checked</a:t>
             </a:r>
             <a:r>
-              <a:rPr lang="en-US" altLang="en-US" sz="2500" dirty="0" smtClean="0">
+              <a:rPr lang="en-US" altLang="en-US" sz="2500" dirty="0">
                 <a:solidFill>
                   <a:srgbClr val="000000"/>
                 </a:solidFill>
@@ -12936,22 +12819,13 @@
               </a:lnSpc>
             </a:pPr>
             <a:r>
-              <a:rPr lang="en-US" altLang="en-US" sz="2100" dirty="0" smtClean="0">
-                <a:solidFill>
-                  <a:srgbClr val="000000"/>
-                </a:solidFill>
-                <a:latin typeface="Times New Roman" panose="02020603050405020304" pitchFamily="18" charset="0"/>
-              </a:rPr>
-              <a:t>Caused </a:t>
-            </a:r>
-            <a:r>
               <a:rPr lang="en-US" altLang="en-US" sz="2100" dirty="0">
                 <a:solidFill>
                   <a:srgbClr val="000000"/>
                 </a:solidFill>
                 <a:latin typeface="Times New Roman" panose="02020603050405020304" pitchFamily="18" charset="0"/>
               </a:rPr>
-              <a:t>by conditions that are not in the control of the program—e.g., in file processing, the program can’t open a file if it does not exist.</a:t>
+              <a:t>Caused by conditions that are not in the control of the program—e.g., in file processing, the program can’t open a file if it does not exist.</a:t>
             </a:r>
           </a:p>
         </p:txBody>
@@ -12961,7 +12835,7 @@
           <p:cNvPr id="4" name="Footer Placeholder 3">
             <a:extLst>
               <a:ext uri="{FF2B5EF4-FFF2-40B4-BE49-F238E27FC236}">
-                <a16:creationId xmlns="" xmlns:a16="http://schemas.microsoft.com/office/drawing/2014/main" id="{912A59BC-2C51-47DC-9CE9-C93F65A523C8}"/>
+                <a16:creationId xmlns:a16="http://schemas.microsoft.com/office/drawing/2014/main" id="{912A59BC-2C51-47DC-9CE9-C93F65A523C8}"/>
               </a:ext>
             </a:extLst>
           </p:cNvPr>
@@ -13022,7 +12896,7 @@
           <p:cNvPr id="2" name="Title 1">
             <a:extLst>
               <a:ext uri="{FF2B5EF4-FFF2-40B4-BE49-F238E27FC236}">
-                <a16:creationId xmlns="" xmlns:a16="http://schemas.microsoft.com/office/drawing/2014/main" id="{9FB1ECF4-433B-40E7-952B-CA77A4E73D56}"/>
+                <a16:creationId xmlns:a16="http://schemas.microsoft.com/office/drawing/2014/main" id="{9FB1ECF4-433B-40E7-952B-CA77A4E73D56}"/>
               </a:ext>
             </a:extLst>
           </p:cNvPr>
@@ -13047,7 +12921,7 @@
               <a:defRPr/>
             </a:pPr>
             <a:r>
-              <a:rPr lang="en-US" dirty="0" smtClean="0">
+              <a:rPr lang="en-US" dirty="0">
                 <a:solidFill>
                   <a:srgbClr val="24B5A1"/>
                 </a:solidFill>
@@ -13056,7 +12930,7 @@
               <a:t>11.5  </a:t>
             </a:r>
             <a:r>
-              <a:rPr lang="en-US" dirty="0" smtClean="0">
+              <a:rPr lang="en-US" dirty="0">
                 <a:solidFill>
                   <a:srgbClr val="3380E6"/>
                 </a:solidFill>
@@ -13078,7 +12952,7 @@
           <p:cNvPr id="14339" name="Text Placeholder 2">
             <a:extLst>
               <a:ext uri="{FF2B5EF4-FFF2-40B4-BE49-F238E27FC236}">
-                <a16:creationId xmlns="" xmlns:a16="http://schemas.microsoft.com/office/drawing/2014/main" id="{A5674EEA-A6AA-4737-ADE0-15E069D87C6E}"/>
+                <a16:creationId xmlns:a16="http://schemas.microsoft.com/office/drawing/2014/main" id="{A5674EEA-A6AA-4737-ADE0-15E069D87C6E}"/>
               </a:ext>
             </a:extLst>
           </p:cNvPr>
@@ -13245,7 +13119,7 @@
           <p:cNvPr id="4" name="Footer Placeholder 3">
             <a:extLst>
               <a:ext uri="{FF2B5EF4-FFF2-40B4-BE49-F238E27FC236}">
-                <a16:creationId xmlns="" xmlns:a16="http://schemas.microsoft.com/office/drawing/2014/main" id="{912A59BC-2C51-47DC-9CE9-C93F65A523C8}"/>
+                <a16:creationId xmlns:a16="http://schemas.microsoft.com/office/drawing/2014/main" id="{912A59BC-2C51-47DC-9CE9-C93F65A523C8}"/>
               </a:ext>
             </a:extLst>
           </p:cNvPr>
@@ -13306,7 +13180,7 @@
           <p:cNvPr id="2" name="Title 1">
             <a:extLst>
               <a:ext uri="{FF2B5EF4-FFF2-40B4-BE49-F238E27FC236}">
-                <a16:creationId xmlns="" xmlns:a16="http://schemas.microsoft.com/office/drawing/2014/main" id="{9FB1ECF4-433B-40E7-952B-CA77A4E73D56}"/>
+                <a16:creationId xmlns:a16="http://schemas.microsoft.com/office/drawing/2014/main" id="{9FB1ECF4-433B-40E7-952B-CA77A4E73D56}"/>
               </a:ext>
             </a:extLst>
           </p:cNvPr>
@@ -13331,7 +13205,7 @@
               <a:defRPr/>
             </a:pPr>
             <a:r>
-              <a:rPr lang="en-US" dirty="0" smtClean="0">
+              <a:rPr lang="en-US" dirty="0">
                 <a:solidFill>
                   <a:srgbClr val="24B5A1"/>
                 </a:solidFill>
@@ -13340,7 +13214,7 @@
               <a:t>11.5  </a:t>
             </a:r>
             <a:r>
-              <a:rPr lang="en-US" dirty="0" smtClean="0">
+              <a:rPr lang="en-US" dirty="0">
                 <a:solidFill>
                   <a:srgbClr val="3380E6"/>
                 </a:solidFill>
@@ -13362,7 +13236,7 @@
           <p:cNvPr id="14339" name="Text Placeholder 2">
             <a:extLst>
               <a:ext uri="{FF2B5EF4-FFF2-40B4-BE49-F238E27FC236}">
-                <a16:creationId xmlns="" xmlns:a16="http://schemas.microsoft.com/office/drawing/2014/main" id="{A5674EEA-A6AA-4737-ADE0-15E069D87C6E}"/>
+                <a16:creationId xmlns:a16="http://schemas.microsoft.com/office/drawing/2014/main" id="{A5674EEA-A6AA-4737-ADE0-15E069D87C6E}"/>
               </a:ext>
             </a:extLst>
           </p:cNvPr>
@@ -13561,7 +13435,7 @@
           <p:cNvPr id="4" name="Footer Placeholder 3">
             <a:extLst>
               <a:ext uri="{FF2B5EF4-FFF2-40B4-BE49-F238E27FC236}">
-                <a16:creationId xmlns="" xmlns:a16="http://schemas.microsoft.com/office/drawing/2014/main" id="{912A59BC-2C51-47DC-9CE9-C93F65A523C8}"/>
+                <a16:creationId xmlns:a16="http://schemas.microsoft.com/office/drawing/2014/main" id="{912A59BC-2C51-47DC-9CE9-C93F65A523C8}"/>
               </a:ext>
             </a:extLst>
           </p:cNvPr>
@@ -13622,7 +13496,7 @@
           <p:cNvPr id="2" name="Title 1">
             <a:extLst>
               <a:ext uri="{FF2B5EF4-FFF2-40B4-BE49-F238E27FC236}">
-                <a16:creationId xmlns="" xmlns:a16="http://schemas.microsoft.com/office/drawing/2014/main" id="{9FB1ECF4-433B-40E7-952B-CA77A4E73D56}"/>
+                <a16:creationId xmlns:a16="http://schemas.microsoft.com/office/drawing/2014/main" id="{9FB1ECF4-433B-40E7-952B-CA77A4E73D56}"/>
               </a:ext>
             </a:extLst>
           </p:cNvPr>
@@ -13647,7 +13521,7 @@
               <a:defRPr/>
             </a:pPr>
             <a:r>
-              <a:rPr lang="en-US" dirty="0" smtClean="0">
+              <a:rPr lang="en-US" dirty="0">
                 <a:solidFill>
                   <a:srgbClr val="24B5A1"/>
                 </a:solidFill>
@@ -13656,7 +13530,7 @@
               <a:t>11.5  </a:t>
             </a:r>
             <a:r>
-              <a:rPr lang="en-US" dirty="0" smtClean="0">
+              <a:rPr lang="en-US" dirty="0">
                 <a:solidFill>
                   <a:srgbClr val="3380E6"/>
                 </a:solidFill>
@@ -13678,7 +13552,7 @@
           <p:cNvPr id="14339" name="Text Placeholder 2">
             <a:extLst>
               <a:ext uri="{FF2B5EF4-FFF2-40B4-BE49-F238E27FC236}">
-                <a16:creationId xmlns="" xmlns:a16="http://schemas.microsoft.com/office/drawing/2014/main" id="{A5674EEA-A6AA-4737-ADE0-15E069D87C6E}"/>
+                <a16:creationId xmlns:a16="http://schemas.microsoft.com/office/drawing/2014/main" id="{A5674EEA-A6AA-4737-ADE0-15E069D87C6E}"/>
               </a:ext>
             </a:extLst>
           </p:cNvPr>
@@ -13838,23 +13712,8 @@
                 </a:solidFill>
                 <a:latin typeface="Times New Roman" panose="02020603050405020304" pitchFamily="18" charset="0"/>
               </a:rPr>
-              <a:t>Even if they are, it’s not required that such exceptions be caught by an application</a:t>
-            </a:r>
-            <a:r>
-              <a:rPr lang="en-US" altLang="en-US" dirty="0" smtClean="0">
-                <a:solidFill>
-                  <a:srgbClr val="000000"/>
-                </a:solidFill>
-                <a:latin typeface="Times New Roman" panose="02020603050405020304" pitchFamily="18" charset="0"/>
-              </a:rPr>
-              <a:t>.</a:t>
-            </a:r>
-            <a:endParaRPr lang="en-US" altLang="en-US" dirty="0">
-              <a:solidFill>
-                <a:srgbClr val="000000"/>
-              </a:solidFill>
-              <a:latin typeface="Times New Roman" panose="02020603050405020304" pitchFamily="18" charset="0"/>
-            </a:endParaRPr>
+              <a:t>Even if they are, it’s not required that such exceptions be caught by an application.</a:t>
+            </a:r>
           </a:p>
         </p:txBody>
       </p:sp>
@@ -13863,7 +13722,7 @@
           <p:cNvPr id="4" name="Footer Placeholder 3">
             <a:extLst>
               <a:ext uri="{FF2B5EF4-FFF2-40B4-BE49-F238E27FC236}">
-                <a16:creationId xmlns="" xmlns:a16="http://schemas.microsoft.com/office/drawing/2014/main" id="{912A59BC-2C51-47DC-9CE9-C93F65A523C8}"/>
+                <a16:creationId xmlns:a16="http://schemas.microsoft.com/office/drawing/2014/main" id="{912A59BC-2C51-47DC-9CE9-C93F65A523C8}"/>
               </a:ext>
             </a:extLst>
           </p:cNvPr>
@@ -13924,7 +13783,7 @@
           <p:cNvPr id="2" name="Title 1">
             <a:extLst>
               <a:ext uri="{FF2B5EF4-FFF2-40B4-BE49-F238E27FC236}">
-                <a16:creationId xmlns="" xmlns:a16="http://schemas.microsoft.com/office/drawing/2014/main" id="{9FB1ECF4-433B-40E7-952B-CA77A4E73D56}"/>
+                <a16:creationId xmlns:a16="http://schemas.microsoft.com/office/drawing/2014/main" id="{9FB1ECF4-433B-40E7-952B-CA77A4E73D56}"/>
               </a:ext>
             </a:extLst>
           </p:cNvPr>
@@ -13949,7 +13808,7 @@
               <a:defRPr/>
             </a:pPr>
             <a:r>
-              <a:rPr lang="en-US" dirty="0" smtClean="0">
+              <a:rPr lang="en-US" dirty="0">
                 <a:solidFill>
                   <a:srgbClr val="24B5A1"/>
                 </a:solidFill>
@@ -13958,7 +13817,7 @@
               <a:t>11.5  </a:t>
             </a:r>
             <a:r>
-              <a:rPr lang="en-US" dirty="0" smtClean="0">
+              <a:rPr lang="en-US" dirty="0">
                 <a:solidFill>
                   <a:srgbClr val="3380E6"/>
                 </a:solidFill>
@@ -13980,7 +13839,7 @@
           <p:cNvPr id="14339" name="Text Placeholder 2">
             <a:extLst>
               <a:ext uri="{FF2B5EF4-FFF2-40B4-BE49-F238E27FC236}">
-                <a16:creationId xmlns="" xmlns:a16="http://schemas.microsoft.com/office/drawing/2014/main" id="{A5674EEA-A6AA-4737-ADE0-15E069D87C6E}"/>
+                <a16:creationId xmlns:a16="http://schemas.microsoft.com/office/drawing/2014/main" id="{A5674EEA-A6AA-4737-ADE0-15E069D87C6E}"/>
               </a:ext>
             </a:extLst>
           </p:cNvPr>
@@ -14118,7 +13977,7 @@
           <p:cNvPr id="4" name="Footer Placeholder 3">
             <a:extLst>
               <a:ext uri="{FF2B5EF4-FFF2-40B4-BE49-F238E27FC236}">
-                <a16:creationId xmlns="" xmlns:a16="http://schemas.microsoft.com/office/drawing/2014/main" id="{912A59BC-2C51-47DC-9CE9-C93F65A523C8}"/>
+                <a16:creationId xmlns:a16="http://schemas.microsoft.com/office/drawing/2014/main" id="{912A59BC-2C51-47DC-9CE9-C93F65A523C8}"/>
               </a:ext>
             </a:extLst>
           </p:cNvPr>
@@ -14179,7 +14038,7 @@
           <p:cNvPr id="2" name="Title 1">
             <a:extLst>
               <a:ext uri="{FF2B5EF4-FFF2-40B4-BE49-F238E27FC236}">
-                <a16:creationId xmlns="" xmlns:a16="http://schemas.microsoft.com/office/drawing/2014/main" id="{9FB1ECF4-433B-40E7-952B-CA77A4E73D56}"/>
+                <a16:creationId xmlns:a16="http://schemas.microsoft.com/office/drawing/2014/main" id="{9FB1ECF4-433B-40E7-952B-CA77A4E73D56}"/>
               </a:ext>
             </a:extLst>
           </p:cNvPr>
@@ -14204,7 +14063,7 @@
               <a:defRPr/>
             </a:pPr>
             <a:r>
-              <a:rPr lang="en-US" dirty="0" smtClean="0">
+              <a:rPr lang="en-US" dirty="0">
                 <a:solidFill>
                   <a:srgbClr val="24B5A1"/>
                 </a:solidFill>
@@ -14213,7 +14072,7 @@
               <a:t>11.5  </a:t>
             </a:r>
             <a:r>
-              <a:rPr lang="en-US" dirty="0" smtClean="0">
+              <a:rPr lang="en-US" dirty="0">
                 <a:solidFill>
                   <a:srgbClr val="3380E6"/>
                 </a:solidFill>
@@ -14235,7 +14094,7 @@
           <p:cNvPr id="14339" name="Text Placeholder 2">
             <a:extLst>
               <a:ext uri="{FF2B5EF4-FFF2-40B4-BE49-F238E27FC236}">
-                <a16:creationId xmlns="" xmlns:a16="http://schemas.microsoft.com/office/drawing/2014/main" id="{A5674EEA-A6AA-4737-ADE0-15E069D87C6E}"/>
+                <a16:creationId xmlns:a16="http://schemas.microsoft.com/office/drawing/2014/main" id="{A5674EEA-A6AA-4737-ADE0-15E069D87C6E}"/>
               </a:ext>
             </a:extLst>
           </p:cNvPr>
@@ -14416,7 +14275,7 @@
           <p:cNvPr id="4" name="Footer Placeholder 3">
             <a:extLst>
               <a:ext uri="{FF2B5EF4-FFF2-40B4-BE49-F238E27FC236}">
-                <a16:creationId xmlns="" xmlns:a16="http://schemas.microsoft.com/office/drawing/2014/main" id="{912A59BC-2C51-47DC-9CE9-C93F65A523C8}"/>
+                <a16:creationId xmlns:a16="http://schemas.microsoft.com/office/drawing/2014/main" id="{912A59BC-2C51-47DC-9CE9-C93F65A523C8}"/>
               </a:ext>
             </a:extLst>
           </p:cNvPr>
@@ -14477,7 +14336,7 @@
           <p:cNvPr id="2" name="Title 1">
             <a:extLst>
               <a:ext uri="{FF2B5EF4-FFF2-40B4-BE49-F238E27FC236}">
-                <a16:creationId xmlns="" xmlns:a16="http://schemas.microsoft.com/office/drawing/2014/main" id="{9FB1ECF4-433B-40E7-952B-CA77A4E73D56}"/>
+                <a16:creationId xmlns:a16="http://schemas.microsoft.com/office/drawing/2014/main" id="{9FB1ECF4-433B-40E7-952B-CA77A4E73D56}"/>
               </a:ext>
             </a:extLst>
           </p:cNvPr>
@@ -14502,7 +14361,7 @@
               <a:defRPr/>
             </a:pPr>
             <a:r>
-              <a:rPr lang="en-US" dirty="0" smtClean="0">
+              <a:rPr lang="en-US" dirty="0">
                 <a:solidFill>
                   <a:srgbClr val="24B5A1"/>
                 </a:solidFill>
@@ -14526,16 +14385,7 @@
                 </a:solidFill>
                 <a:latin typeface="Arial"/>
               </a:rPr>
-              <a:t> </a:t>
-            </a:r>
-            <a:r>
-              <a:rPr lang="en-US" dirty="0" smtClean="0">
-                <a:solidFill>
-                  <a:srgbClr val="3380E6"/>
-                </a:solidFill>
-                <a:latin typeface="Arial"/>
-              </a:rPr>
-              <a:t>Block</a:t>
+              <a:t> Block</a:t>
             </a:r>
             <a:endParaRPr lang="en-US" dirty="0">
               <a:solidFill>
@@ -14551,7 +14401,7 @@
           <p:cNvPr id="14339" name="Text Placeholder 2">
             <a:extLst>
               <a:ext uri="{FF2B5EF4-FFF2-40B4-BE49-F238E27FC236}">
-                <a16:creationId xmlns="" xmlns:a16="http://schemas.microsoft.com/office/drawing/2014/main" id="{A5674EEA-A6AA-4737-ADE0-15E069D87C6E}"/>
+                <a16:creationId xmlns:a16="http://schemas.microsoft.com/office/drawing/2014/main" id="{A5674EEA-A6AA-4737-ADE0-15E069D87C6E}"/>
               </a:ext>
             </a:extLst>
           </p:cNvPr>
@@ -14753,7 +14603,7 @@
           <p:cNvPr id="4" name="Footer Placeholder 3">
             <a:extLst>
               <a:ext uri="{FF2B5EF4-FFF2-40B4-BE49-F238E27FC236}">
-                <a16:creationId xmlns="" xmlns:a16="http://schemas.microsoft.com/office/drawing/2014/main" id="{912A59BC-2C51-47DC-9CE9-C93F65A523C8}"/>
+                <a16:creationId xmlns:a16="http://schemas.microsoft.com/office/drawing/2014/main" id="{912A59BC-2C51-47DC-9CE9-C93F65A523C8}"/>
               </a:ext>
             </a:extLst>
           </p:cNvPr>
@@ -14814,7 +14664,7 @@
           <p:cNvPr id="2" name="Title 1">
             <a:extLst>
               <a:ext uri="{FF2B5EF4-FFF2-40B4-BE49-F238E27FC236}">
-                <a16:creationId xmlns="" xmlns:a16="http://schemas.microsoft.com/office/drawing/2014/main" id="{9FB1ECF4-433B-40E7-952B-CA77A4E73D56}"/>
+                <a16:creationId xmlns:a16="http://schemas.microsoft.com/office/drawing/2014/main" id="{9FB1ECF4-433B-40E7-952B-CA77A4E73D56}"/>
               </a:ext>
             </a:extLst>
           </p:cNvPr>
@@ -14868,7 +14718,7 @@
           <p:cNvPr id="14339" name="Text Placeholder 2">
             <a:extLst>
               <a:ext uri="{FF2B5EF4-FFF2-40B4-BE49-F238E27FC236}">
-                <a16:creationId xmlns="" xmlns:a16="http://schemas.microsoft.com/office/drawing/2014/main" id="{A5674EEA-A6AA-4737-ADE0-15E069D87C6E}"/>
+                <a16:creationId xmlns:a16="http://schemas.microsoft.com/office/drawing/2014/main" id="{A5674EEA-A6AA-4737-ADE0-15E069D87C6E}"/>
               </a:ext>
             </a:extLst>
           </p:cNvPr>
@@ -14890,22 +14740,13 @@
               </a:lnSpc>
             </a:pPr>
             <a:r>
-              <a:rPr lang="en-US" altLang="en-US" dirty="0" smtClean="0">
+              <a:rPr lang="en-US" altLang="en-US" dirty="0">
                 <a:solidFill>
                   <a:srgbClr val="0000FF"/>
                 </a:solidFill>
                 <a:latin typeface="Times New Roman" panose="02020603050405020304" pitchFamily="18" charset="0"/>
               </a:rPr>
-              <a:t>Exception </a:t>
-            </a:r>
-            <a:r>
-              <a:rPr lang="en-US" altLang="en-US" dirty="0">
-                <a:solidFill>
-                  <a:srgbClr val="0000FF"/>
-                </a:solidFill>
-                <a:latin typeface="Times New Roman" panose="02020603050405020304" pitchFamily="18" charset="0"/>
-              </a:rPr>
-              <a:t>handling</a:t>
+              <a:t>Exception handling</a:t>
             </a:r>
           </a:p>
           <a:p>
@@ -15031,7 +14872,7 @@
           <p:cNvPr id="4" name="Footer Placeholder 3">
             <a:extLst>
               <a:ext uri="{FF2B5EF4-FFF2-40B4-BE49-F238E27FC236}">
-                <a16:creationId xmlns="" xmlns:a16="http://schemas.microsoft.com/office/drawing/2014/main" id="{912A59BC-2C51-47DC-9CE9-C93F65A523C8}"/>
+                <a16:creationId xmlns:a16="http://schemas.microsoft.com/office/drawing/2014/main" id="{912A59BC-2C51-47DC-9CE9-C93F65A523C8}"/>
               </a:ext>
             </a:extLst>
           </p:cNvPr>
@@ -15092,7 +14933,7 @@
           <p:cNvPr id="2" name="Title 1">
             <a:extLst>
               <a:ext uri="{FF2B5EF4-FFF2-40B4-BE49-F238E27FC236}">
-                <a16:creationId xmlns="" xmlns:a16="http://schemas.microsoft.com/office/drawing/2014/main" id="{9FB1ECF4-433B-40E7-952B-CA77A4E73D56}"/>
+                <a16:creationId xmlns:a16="http://schemas.microsoft.com/office/drawing/2014/main" id="{9FB1ECF4-433B-40E7-952B-CA77A4E73D56}"/>
               </a:ext>
             </a:extLst>
           </p:cNvPr>
@@ -15117,7 +14958,7 @@
               <a:defRPr/>
             </a:pPr>
             <a:r>
-              <a:rPr lang="en-US" dirty="0" smtClean="0">
+              <a:rPr lang="en-US" dirty="0">
                 <a:solidFill>
                   <a:srgbClr val="24B5A1"/>
                 </a:solidFill>
@@ -15141,16 +14982,7 @@
                 </a:solidFill>
                 <a:latin typeface="Arial"/>
               </a:rPr>
-              <a:t> </a:t>
-            </a:r>
-            <a:r>
-              <a:rPr lang="en-US" dirty="0" smtClean="0">
-                <a:solidFill>
-                  <a:srgbClr val="3380E6"/>
-                </a:solidFill>
-                <a:latin typeface="Arial"/>
-              </a:rPr>
-              <a:t>Block (Cont.)</a:t>
+              <a:t> Block (Cont.)</a:t>
             </a:r>
             <a:endParaRPr lang="en-US" dirty="0">
               <a:solidFill>
@@ -15166,7 +14998,7 @@
           <p:cNvPr id="14339" name="Text Placeholder 2">
             <a:extLst>
               <a:ext uri="{FF2B5EF4-FFF2-40B4-BE49-F238E27FC236}">
-                <a16:creationId xmlns="" xmlns:a16="http://schemas.microsoft.com/office/drawing/2014/main" id="{A5674EEA-A6AA-4737-ADE0-15E069D87C6E}"/>
+                <a16:creationId xmlns:a16="http://schemas.microsoft.com/office/drawing/2014/main" id="{A5674EEA-A6AA-4737-ADE0-15E069D87C6E}"/>
               </a:ext>
             </a:extLst>
           </p:cNvPr>
@@ -15428,7 +15260,7 @@
           <p:cNvPr id="4" name="Footer Placeholder 3">
             <a:extLst>
               <a:ext uri="{FF2B5EF4-FFF2-40B4-BE49-F238E27FC236}">
-                <a16:creationId xmlns="" xmlns:a16="http://schemas.microsoft.com/office/drawing/2014/main" id="{912A59BC-2C51-47DC-9CE9-C93F65A523C8}"/>
+                <a16:creationId xmlns:a16="http://schemas.microsoft.com/office/drawing/2014/main" id="{912A59BC-2C51-47DC-9CE9-C93F65A523C8}"/>
               </a:ext>
             </a:extLst>
           </p:cNvPr>
@@ -15489,7 +15321,7 @@
           <p:cNvPr id="2" name="Title 1">
             <a:extLst>
               <a:ext uri="{FF2B5EF4-FFF2-40B4-BE49-F238E27FC236}">
-                <a16:creationId xmlns="" xmlns:a16="http://schemas.microsoft.com/office/drawing/2014/main" id="{9FB1ECF4-433B-40E7-952B-CA77A4E73D56}"/>
+                <a16:creationId xmlns:a16="http://schemas.microsoft.com/office/drawing/2014/main" id="{9FB1ECF4-433B-40E7-952B-CA77A4E73D56}"/>
               </a:ext>
             </a:extLst>
           </p:cNvPr>
@@ -15514,7 +15346,7 @@
               <a:defRPr/>
             </a:pPr>
             <a:r>
-              <a:rPr lang="en-US" dirty="0" smtClean="0">
+              <a:rPr lang="en-US" dirty="0">
                 <a:solidFill>
                   <a:srgbClr val="24B5A1"/>
                 </a:solidFill>
@@ -15538,16 +15370,7 @@
                 </a:solidFill>
                 <a:latin typeface="Arial"/>
               </a:rPr>
-              <a:t> </a:t>
-            </a:r>
-            <a:r>
-              <a:rPr lang="en-US" dirty="0" smtClean="0">
-                <a:solidFill>
-                  <a:srgbClr val="3380E6"/>
-                </a:solidFill>
-                <a:latin typeface="Arial"/>
-              </a:rPr>
-              <a:t>Block (Cont.)</a:t>
+              <a:t> Block (Cont.)</a:t>
             </a:r>
             <a:endParaRPr lang="en-US" dirty="0">
               <a:solidFill>
@@ -15563,7 +15386,7 @@
           <p:cNvPr id="14339" name="Text Placeholder 2">
             <a:extLst>
               <a:ext uri="{FF2B5EF4-FFF2-40B4-BE49-F238E27FC236}">
-                <a16:creationId xmlns="" xmlns:a16="http://schemas.microsoft.com/office/drawing/2014/main" id="{A5674EEA-A6AA-4737-ADE0-15E069D87C6E}"/>
+                <a16:creationId xmlns:a16="http://schemas.microsoft.com/office/drawing/2014/main" id="{A5674EEA-A6AA-4737-ADE0-15E069D87C6E}"/>
               </a:ext>
             </a:extLst>
           </p:cNvPr>
@@ -15890,7 +15713,7 @@
           <p:cNvPr id="4" name="Footer Placeholder 3">
             <a:extLst>
               <a:ext uri="{FF2B5EF4-FFF2-40B4-BE49-F238E27FC236}">
-                <a16:creationId xmlns="" xmlns:a16="http://schemas.microsoft.com/office/drawing/2014/main" id="{912A59BC-2C51-47DC-9CE9-C93F65A523C8}"/>
+                <a16:creationId xmlns:a16="http://schemas.microsoft.com/office/drawing/2014/main" id="{912A59BC-2C51-47DC-9CE9-C93F65A523C8}"/>
               </a:ext>
             </a:extLst>
           </p:cNvPr>
@@ -15951,7 +15774,7 @@
           <p:cNvPr id="2" name="Title 1">
             <a:extLst>
               <a:ext uri="{FF2B5EF4-FFF2-40B4-BE49-F238E27FC236}">
-                <a16:creationId xmlns="" xmlns:a16="http://schemas.microsoft.com/office/drawing/2014/main" id="{9FB1ECF4-433B-40E7-952B-CA77A4E73D56}"/>
+                <a16:creationId xmlns:a16="http://schemas.microsoft.com/office/drawing/2014/main" id="{9FB1ECF4-433B-40E7-952B-CA77A4E73D56}"/>
               </a:ext>
             </a:extLst>
           </p:cNvPr>
@@ -15976,7 +15799,7 @@
               <a:defRPr/>
             </a:pPr>
             <a:r>
-              <a:rPr lang="en-US" dirty="0" smtClean="0">
+              <a:rPr lang="en-US" dirty="0">
                 <a:solidFill>
                   <a:srgbClr val="24B5A1"/>
                 </a:solidFill>
@@ -16000,16 +15823,7 @@
                 </a:solidFill>
                 <a:latin typeface="Arial"/>
               </a:rPr>
-              <a:t> </a:t>
-            </a:r>
-            <a:r>
-              <a:rPr lang="en-US" dirty="0" smtClean="0">
-                <a:solidFill>
-                  <a:srgbClr val="3380E6"/>
-                </a:solidFill>
-                <a:latin typeface="Arial"/>
-              </a:rPr>
-              <a:t>Block (Cont.)</a:t>
+              <a:t> Block (Cont.)</a:t>
             </a:r>
             <a:endParaRPr lang="en-US" dirty="0">
               <a:solidFill>
@@ -16025,7 +15839,7 @@
           <p:cNvPr id="14339" name="Text Placeholder 2">
             <a:extLst>
               <a:ext uri="{FF2B5EF4-FFF2-40B4-BE49-F238E27FC236}">
-                <a16:creationId xmlns="" xmlns:a16="http://schemas.microsoft.com/office/drawing/2014/main" id="{A5674EEA-A6AA-4737-ADE0-15E069D87C6E}"/>
+                <a16:creationId xmlns:a16="http://schemas.microsoft.com/office/drawing/2014/main" id="{A5674EEA-A6AA-4737-ADE0-15E069D87C6E}"/>
               </a:ext>
             </a:extLst>
           </p:cNvPr>
@@ -16339,7 +16153,7 @@
           <p:cNvPr id="4" name="Footer Placeholder 3">
             <a:extLst>
               <a:ext uri="{FF2B5EF4-FFF2-40B4-BE49-F238E27FC236}">
-                <a16:creationId xmlns="" xmlns:a16="http://schemas.microsoft.com/office/drawing/2014/main" id="{912A59BC-2C51-47DC-9CE9-C93F65A523C8}"/>
+                <a16:creationId xmlns:a16="http://schemas.microsoft.com/office/drawing/2014/main" id="{912A59BC-2C51-47DC-9CE9-C93F65A523C8}"/>
               </a:ext>
             </a:extLst>
           </p:cNvPr>
@@ -16400,7 +16214,7 @@
           <p:cNvPr id="3" name="Picture 2" descr="jhtp_11_Exceptions_Page_36">
             <a:extLst>
               <a:ext uri="{FF2B5EF4-FFF2-40B4-BE49-F238E27FC236}">
-                <a16:creationId xmlns="" xmlns:a16="http://schemas.microsoft.com/office/drawing/2014/main" id="{00D36B6C-122D-400D-BE60-6F4E24EB96DA}"/>
+                <a16:creationId xmlns:a16="http://schemas.microsoft.com/office/drawing/2014/main" id="{00D36B6C-122D-400D-BE60-6F4E24EB96DA}"/>
               </a:ext>
             </a:extLst>
           </p:cNvPr>
@@ -16437,7 +16251,7 @@
           <p:cNvPr id="4" name="Footer Placeholder 3">
             <a:extLst>
               <a:ext uri="{FF2B5EF4-FFF2-40B4-BE49-F238E27FC236}">
-                <a16:creationId xmlns="" xmlns:a16="http://schemas.microsoft.com/office/drawing/2014/main" id="{7B2D04DE-2224-4FB0-B704-30D232F29D6D}"/>
+                <a16:creationId xmlns:a16="http://schemas.microsoft.com/office/drawing/2014/main" id="{7B2D04DE-2224-4FB0-B704-30D232F29D6D}"/>
               </a:ext>
             </a:extLst>
           </p:cNvPr>
@@ -16495,7 +16309,7 @@
           <p:cNvPr id="3" name="Picture 2" descr="jhtp_11_Exceptions_Page_37">
             <a:extLst>
               <a:ext uri="{FF2B5EF4-FFF2-40B4-BE49-F238E27FC236}">
-                <a16:creationId xmlns="" xmlns:a16="http://schemas.microsoft.com/office/drawing/2014/main" id="{87CD8549-CCE7-4900-9032-7158B8F52CF7}"/>
+                <a16:creationId xmlns:a16="http://schemas.microsoft.com/office/drawing/2014/main" id="{87CD8549-CCE7-4900-9032-7158B8F52CF7}"/>
               </a:ext>
             </a:extLst>
           </p:cNvPr>
@@ -16532,7 +16346,7 @@
           <p:cNvPr id="4" name="Footer Placeholder 3">
             <a:extLst>
               <a:ext uri="{FF2B5EF4-FFF2-40B4-BE49-F238E27FC236}">
-                <a16:creationId xmlns="" xmlns:a16="http://schemas.microsoft.com/office/drawing/2014/main" id="{AD338CFE-7802-45F5-AB23-943A6C2FA879}"/>
+                <a16:creationId xmlns:a16="http://schemas.microsoft.com/office/drawing/2014/main" id="{AD338CFE-7802-45F5-AB23-943A6C2FA879}"/>
               </a:ext>
             </a:extLst>
           </p:cNvPr>
@@ -16590,7 +16404,7 @@
           <p:cNvPr id="3" name="Picture 2" descr="jhtp_11_Exceptions_Page_38">
             <a:extLst>
               <a:ext uri="{FF2B5EF4-FFF2-40B4-BE49-F238E27FC236}">
-                <a16:creationId xmlns="" xmlns:a16="http://schemas.microsoft.com/office/drawing/2014/main" id="{8931F157-5104-4825-A3F8-97C91B2BE2A1}"/>
+                <a16:creationId xmlns:a16="http://schemas.microsoft.com/office/drawing/2014/main" id="{8931F157-5104-4825-A3F8-97C91B2BE2A1}"/>
               </a:ext>
             </a:extLst>
           </p:cNvPr>
@@ -16627,7 +16441,7 @@
           <p:cNvPr id="4" name="Footer Placeholder 3">
             <a:extLst>
               <a:ext uri="{FF2B5EF4-FFF2-40B4-BE49-F238E27FC236}">
-                <a16:creationId xmlns="" xmlns:a16="http://schemas.microsoft.com/office/drawing/2014/main" id="{F9A4A0A5-D73F-4719-825A-DE947221E295}"/>
+                <a16:creationId xmlns:a16="http://schemas.microsoft.com/office/drawing/2014/main" id="{F9A4A0A5-D73F-4719-825A-DE947221E295}"/>
               </a:ext>
             </a:extLst>
           </p:cNvPr>
@@ -16685,7 +16499,7 @@
           <p:cNvPr id="3" name="Picture 2" descr="jhtp_11_Exceptions_Page_39">
             <a:extLst>
               <a:ext uri="{FF2B5EF4-FFF2-40B4-BE49-F238E27FC236}">
-                <a16:creationId xmlns="" xmlns:a16="http://schemas.microsoft.com/office/drawing/2014/main" id="{F09EE6C9-724C-40E6-89FE-0A5A7D2B12DF}"/>
+                <a16:creationId xmlns:a16="http://schemas.microsoft.com/office/drawing/2014/main" id="{F09EE6C9-724C-40E6-89FE-0A5A7D2B12DF}"/>
               </a:ext>
             </a:extLst>
           </p:cNvPr>
@@ -16722,7 +16536,7 @@
           <p:cNvPr id="4" name="Footer Placeholder 3">
             <a:extLst>
               <a:ext uri="{FF2B5EF4-FFF2-40B4-BE49-F238E27FC236}">
-                <a16:creationId xmlns="" xmlns:a16="http://schemas.microsoft.com/office/drawing/2014/main" id="{46742F73-5DCB-4D61-A26D-739EFEBBF685}"/>
+                <a16:creationId xmlns:a16="http://schemas.microsoft.com/office/drawing/2014/main" id="{46742F73-5DCB-4D61-A26D-739EFEBBF685}"/>
               </a:ext>
             </a:extLst>
           </p:cNvPr>
@@ -16780,7 +16594,7 @@
           <p:cNvPr id="2" name="Title 1">
             <a:extLst>
               <a:ext uri="{FF2B5EF4-FFF2-40B4-BE49-F238E27FC236}">
-                <a16:creationId xmlns="" xmlns:a16="http://schemas.microsoft.com/office/drawing/2014/main" id="{9FB1ECF4-433B-40E7-952B-CA77A4E73D56}"/>
+                <a16:creationId xmlns:a16="http://schemas.microsoft.com/office/drawing/2014/main" id="{9FB1ECF4-433B-40E7-952B-CA77A4E73D56}"/>
               </a:ext>
             </a:extLst>
           </p:cNvPr>
@@ -16805,7 +16619,7 @@
               <a:defRPr/>
             </a:pPr>
             <a:r>
-              <a:rPr lang="en-US" dirty="0" smtClean="0">
+              <a:rPr lang="en-US" dirty="0">
                 <a:solidFill>
                   <a:srgbClr val="24B5A1"/>
                 </a:solidFill>
@@ -16829,16 +16643,7 @@
                 </a:solidFill>
                 <a:latin typeface="Arial"/>
               </a:rPr>
-              <a:t> </a:t>
-            </a:r>
-            <a:r>
-              <a:rPr lang="en-US" dirty="0" smtClean="0">
-                <a:solidFill>
-                  <a:srgbClr val="3380E6"/>
-                </a:solidFill>
-                <a:latin typeface="Arial"/>
-              </a:rPr>
-              <a:t>Block (Cont.)</a:t>
+              <a:t> Block (Cont.)</a:t>
             </a:r>
             <a:endParaRPr lang="en-US" dirty="0">
               <a:solidFill>
@@ -16854,7 +16659,7 @@
           <p:cNvPr id="14339" name="Text Placeholder 2">
             <a:extLst>
               <a:ext uri="{FF2B5EF4-FFF2-40B4-BE49-F238E27FC236}">
-                <a16:creationId xmlns="" xmlns:a16="http://schemas.microsoft.com/office/drawing/2014/main" id="{A5674EEA-A6AA-4737-ADE0-15E069D87C6E}"/>
+                <a16:creationId xmlns:a16="http://schemas.microsoft.com/office/drawing/2014/main" id="{A5674EEA-A6AA-4737-ADE0-15E069D87C6E}"/>
               </a:ext>
             </a:extLst>
           </p:cNvPr>
@@ -17131,7 +16936,7 @@
           <p:cNvPr id="4" name="Footer Placeholder 3">
             <a:extLst>
               <a:ext uri="{FF2B5EF4-FFF2-40B4-BE49-F238E27FC236}">
-                <a16:creationId xmlns="" xmlns:a16="http://schemas.microsoft.com/office/drawing/2014/main" id="{912A59BC-2C51-47DC-9CE9-C93F65A523C8}"/>
+                <a16:creationId xmlns:a16="http://schemas.microsoft.com/office/drawing/2014/main" id="{912A59BC-2C51-47DC-9CE9-C93F65A523C8}"/>
               </a:ext>
             </a:extLst>
           </p:cNvPr>
@@ -17192,7 +16997,7 @@
           <p:cNvPr id="2" name="Title 1">
             <a:extLst>
               <a:ext uri="{FF2B5EF4-FFF2-40B4-BE49-F238E27FC236}">
-                <a16:creationId xmlns="" xmlns:a16="http://schemas.microsoft.com/office/drawing/2014/main" id="{9FB1ECF4-433B-40E7-952B-CA77A4E73D56}"/>
+                <a16:creationId xmlns:a16="http://schemas.microsoft.com/office/drawing/2014/main" id="{9FB1ECF4-433B-40E7-952B-CA77A4E73D56}"/>
               </a:ext>
             </a:extLst>
           </p:cNvPr>
@@ -17217,7 +17022,7 @@
               <a:defRPr/>
             </a:pPr>
             <a:r>
-              <a:rPr lang="en-US" dirty="0" smtClean="0">
+              <a:rPr lang="en-US" dirty="0">
                 <a:solidFill>
                   <a:srgbClr val="24B5A1"/>
                 </a:solidFill>
@@ -17241,16 +17046,7 @@
                 </a:solidFill>
                 <a:latin typeface="Arial"/>
               </a:rPr>
-              <a:t> </a:t>
-            </a:r>
-            <a:r>
-              <a:rPr lang="en-US" dirty="0" smtClean="0">
-                <a:solidFill>
-                  <a:srgbClr val="3380E6"/>
-                </a:solidFill>
-                <a:latin typeface="Arial"/>
-              </a:rPr>
-              <a:t>Block (Cont.)</a:t>
+              <a:t> Block (Cont.)</a:t>
             </a:r>
             <a:endParaRPr lang="en-US" dirty="0">
               <a:solidFill>
@@ -17266,7 +17062,7 @@
           <p:cNvPr id="14339" name="Text Placeholder 2">
             <a:extLst>
               <a:ext uri="{FF2B5EF4-FFF2-40B4-BE49-F238E27FC236}">
-                <a16:creationId xmlns="" xmlns:a16="http://schemas.microsoft.com/office/drawing/2014/main" id="{A5674EEA-A6AA-4737-ADE0-15E069D87C6E}"/>
+                <a16:creationId xmlns:a16="http://schemas.microsoft.com/office/drawing/2014/main" id="{A5674EEA-A6AA-4737-ADE0-15E069D87C6E}"/>
               </a:ext>
             </a:extLst>
           </p:cNvPr>
@@ -17409,7 +17205,7 @@
           <p:cNvPr id="4" name="Footer Placeholder 3">
             <a:extLst>
               <a:ext uri="{FF2B5EF4-FFF2-40B4-BE49-F238E27FC236}">
-                <a16:creationId xmlns="" xmlns:a16="http://schemas.microsoft.com/office/drawing/2014/main" id="{912A59BC-2C51-47DC-9CE9-C93F65A523C8}"/>
+                <a16:creationId xmlns:a16="http://schemas.microsoft.com/office/drawing/2014/main" id="{912A59BC-2C51-47DC-9CE9-C93F65A523C8}"/>
               </a:ext>
             </a:extLst>
           </p:cNvPr>
@@ -17470,7 +17266,7 @@
           <p:cNvPr id="2" name="Title 1">
             <a:extLst>
               <a:ext uri="{FF2B5EF4-FFF2-40B4-BE49-F238E27FC236}">
-                <a16:creationId xmlns="" xmlns:a16="http://schemas.microsoft.com/office/drawing/2014/main" id="{9FB1ECF4-433B-40E7-952B-CA77A4E73D56}"/>
+                <a16:creationId xmlns:a16="http://schemas.microsoft.com/office/drawing/2014/main" id="{9FB1ECF4-433B-40E7-952B-CA77A4E73D56}"/>
               </a:ext>
             </a:extLst>
           </p:cNvPr>
@@ -17495,7 +17291,7 @@
               <a:defRPr/>
             </a:pPr>
             <a:r>
-              <a:rPr lang="en-US" dirty="0" smtClean="0">
+              <a:rPr lang="en-US" dirty="0">
                 <a:solidFill>
                   <a:srgbClr val="24B5A1"/>
                 </a:solidFill>
@@ -17519,16 +17315,7 @@
                 </a:solidFill>
                 <a:latin typeface="Arial"/>
               </a:rPr>
-              <a:t> </a:t>
-            </a:r>
-            <a:r>
-              <a:rPr lang="en-US" dirty="0" smtClean="0">
-                <a:solidFill>
-                  <a:srgbClr val="3380E6"/>
-                </a:solidFill>
-                <a:latin typeface="Arial"/>
-              </a:rPr>
-              <a:t>Block (Cont.)</a:t>
+              <a:t> Block (Cont.)</a:t>
             </a:r>
             <a:endParaRPr lang="en-US" dirty="0">
               <a:solidFill>
@@ -17544,7 +17331,7 @@
           <p:cNvPr id="14339" name="Text Placeholder 2">
             <a:extLst>
               <a:ext uri="{FF2B5EF4-FFF2-40B4-BE49-F238E27FC236}">
-                <a16:creationId xmlns="" xmlns:a16="http://schemas.microsoft.com/office/drawing/2014/main" id="{A5674EEA-A6AA-4737-ADE0-15E069D87C6E}"/>
+                <a16:creationId xmlns:a16="http://schemas.microsoft.com/office/drawing/2014/main" id="{A5674EEA-A6AA-4737-ADE0-15E069D87C6E}"/>
               </a:ext>
             </a:extLst>
           </p:cNvPr>
@@ -17829,7 +17616,7 @@
           <p:cNvPr id="4" name="Footer Placeholder 3">
             <a:extLst>
               <a:ext uri="{FF2B5EF4-FFF2-40B4-BE49-F238E27FC236}">
-                <a16:creationId xmlns="" xmlns:a16="http://schemas.microsoft.com/office/drawing/2014/main" id="{912A59BC-2C51-47DC-9CE9-C93F65A523C8}"/>
+                <a16:creationId xmlns:a16="http://schemas.microsoft.com/office/drawing/2014/main" id="{912A59BC-2C51-47DC-9CE9-C93F65A523C8}"/>
               </a:ext>
             </a:extLst>
           </p:cNvPr>
@@ -17890,7 +17677,7 @@
           <p:cNvPr id="2" name="Title 1">
             <a:extLst>
               <a:ext uri="{FF2B5EF4-FFF2-40B4-BE49-F238E27FC236}">
-                <a16:creationId xmlns="" xmlns:a16="http://schemas.microsoft.com/office/drawing/2014/main" id="{9FB1ECF4-433B-40E7-952B-CA77A4E73D56}"/>
+                <a16:creationId xmlns:a16="http://schemas.microsoft.com/office/drawing/2014/main" id="{9FB1ECF4-433B-40E7-952B-CA77A4E73D56}"/>
               </a:ext>
             </a:extLst>
           </p:cNvPr>
@@ -17946,7 +17733,7 @@
           <p:cNvPr id="14339" name="Text Placeholder 2">
             <a:extLst>
               <a:ext uri="{FF2B5EF4-FFF2-40B4-BE49-F238E27FC236}">
-                <a16:creationId xmlns="" xmlns:a16="http://schemas.microsoft.com/office/drawing/2014/main" id="{A5674EEA-A6AA-4737-ADE0-15E069D87C6E}"/>
+                <a16:creationId xmlns:a16="http://schemas.microsoft.com/office/drawing/2014/main" id="{A5674EEA-A6AA-4737-ADE0-15E069D87C6E}"/>
               </a:ext>
             </a:extLst>
           </p:cNvPr>
@@ -18091,7 +17878,7 @@
           <p:cNvPr id="4" name="Footer Placeholder 3">
             <a:extLst>
               <a:ext uri="{FF2B5EF4-FFF2-40B4-BE49-F238E27FC236}">
-                <a16:creationId xmlns="" xmlns:a16="http://schemas.microsoft.com/office/drawing/2014/main" id="{912A59BC-2C51-47DC-9CE9-C93F65A523C8}"/>
+                <a16:creationId xmlns:a16="http://schemas.microsoft.com/office/drawing/2014/main" id="{912A59BC-2C51-47DC-9CE9-C93F65A523C8}"/>
               </a:ext>
             </a:extLst>
           </p:cNvPr>
@@ -18152,7 +17939,7 @@
           <p:cNvPr id="2" name="Title 1">
             <a:extLst>
               <a:ext uri="{FF2B5EF4-FFF2-40B4-BE49-F238E27FC236}">
-                <a16:creationId xmlns="" xmlns:a16="http://schemas.microsoft.com/office/drawing/2014/main" id="{9FB1ECF4-433B-40E7-952B-CA77A4E73D56}"/>
+                <a16:creationId xmlns:a16="http://schemas.microsoft.com/office/drawing/2014/main" id="{9FB1ECF4-433B-40E7-952B-CA77A4E73D56}"/>
               </a:ext>
             </a:extLst>
           </p:cNvPr>
@@ -18175,7 +17962,7 @@
               <a:defRPr/>
             </a:pPr>
             <a:r>
-              <a:rPr lang="en-US" smtClean="0">
+              <a:rPr lang="en-US">
                 <a:solidFill>
                   <a:srgbClr val="3380E6"/>
                 </a:solidFill>
@@ -18184,7 +17971,7 @@
               <a:t>Chapter Objectives </a:t>
             </a:r>
             <a:r>
-              <a:rPr lang="en-US" dirty="0" smtClean="0">
+              <a:rPr lang="en-US" dirty="0">
                 <a:solidFill>
                   <a:srgbClr val="3380E6"/>
                 </a:solidFill>
@@ -18193,7 +17980,7 @@
               <a:t>– </a:t>
             </a:r>
             <a:r>
-              <a:rPr lang="en-US" i="1" dirty="0" smtClean="0">
+              <a:rPr lang="en-US" i="1" dirty="0">
                 <a:solidFill>
                   <a:srgbClr val="3380E6"/>
                 </a:solidFill>
@@ -18201,12 +17988,6 @@
               </a:rPr>
               <a:t>What we covered</a:t>
             </a:r>
-            <a:endParaRPr lang="en-US" i="1" dirty="0">
-              <a:solidFill>
-                <a:srgbClr val="3380E6"/>
-              </a:solidFill>
-              <a:latin typeface="Calibri" panose="020F0502020204030204" pitchFamily="34" charset="0"/>
-            </a:endParaRPr>
           </a:p>
         </p:txBody>
       </p:sp>
@@ -18215,7 +17996,7 @@
           <p:cNvPr id="14339" name="Text Placeholder 2">
             <a:extLst>
               <a:ext uri="{FF2B5EF4-FFF2-40B4-BE49-F238E27FC236}">
-                <a16:creationId xmlns="" xmlns:a16="http://schemas.microsoft.com/office/drawing/2014/main" id="{A5674EEA-A6AA-4737-ADE0-15E069D87C6E}"/>
+                <a16:creationId xmlns:a16="http://schemas.microsoft.com/office/drawing/2014/main" id="{A5674EEA-A6AA-4737-ADE0-15E069D87C6E}"/>
               </a:ext>
             </a:extLst>
           </p:cNvPr>
@@ -18355,15 +18136,7 @@
                   <a:srgbClr val="000000"/>
                 </a:solidFill>
               </a:rPr>
-              <a:t> block to release resources</a:t>
-            </a:r>
-            <a:r>
-              <a:rPr lang="en-US" altLang="en-US" smtClean="0">
-                <a:solidFill>
-                  <a:srgbClr val="000000"/>
-                </a:solidFill>
-              </a:rPr>
-              <a:t>. </a:t>
+              <a:t> block to release resources. </a:t>
             </a:r>
             <a:endParaRPr lang="en-US" altLang="en-US" dirty="0">
               <a:solidFill>
@@ -18378,7 +18151,7 @@
           <p:cNvPr id="4" name="Footer Placeholder 3">
             <a:extLst>
               <a:ext uri="{FF2B5EF4-FFF2-40B4-BE49-F238E27FC236}">
-                <a16:creationId xmlns="" xmlns:a16="http://schemas.microsoft.com/office/drawing/2014/main" id="{912A59BC-2C51-47DC-9CE9-C93F65A523C8}"/>
+                <a16:creationId xmlns:a16="http://schemas.microsoft.com/office/drawing/2014/main" id="{912A59BC-2C51-47DC-9CE9-C93F65A523C8}"/>
               </a:ext>
             </a:extLst>
           </p:cNvPr>
@@ -18439,7 +18212,7 @@
           <p:cNvPr id="2" name="Title 1">
             <a:extLst>
               <a:ext uri="{FF2B5EF4-FFF2-40B4-BE49-F238E27FC236}">
-                <a16:creationId xmlns="" xmlns:a16="http://schemas.microsoft.com/office/drawing/2014/main" id="{8A81ABCB-B57C-433C-A810-070122A8229A}"/>
+                <a16:creationId xmlns:a16="http://schemas.microsoft.com/office/drawing/2014/main" id="{8A81ABCB-B57C-433C-A810-070122A8229A}"/>
               </a:ext>
             </a:extLst>
           </p:cNvPr>
@@ -18478,7 +18251,7 @@
           <p:cNvPr id="3" name="Footer Placeholder 2">
             <a:extLst>
               <a:ext uri="{FF2B5EF4-FFF2-40B4-BE49-F238E27FC236}">
-                <a16:creationId xmlns="" xmlns:a16="http://schemas.microsoft.com/office/drawing/2014/main" id="{6C6139E5-441C-4BB7-A680-0DCE5778E178}"/>
+                <a16:creationId xmlns:a16="http://schemas.microsoft.com/office/drawing/2014/main" id="{6C6139E5-441C-4BB7-A680-0DCE5778E178}"/>
               </a:ext>
             </a:extLst>
           </p:cNvPr>
@@ -18536,7 +18309,7 @@
           <p:cNvPr id="2" name="Title 1">
             <a:extLst>
               <a:ext uri="{FF2B5EF4-FFF2-40B4-BE49-F238E27FC236}">
-                <a16:creationId xmlns="" xmlns:a16="http://schemas.microsoft.com/office/drawing/2014/main" id="{9FB1ECF4-433B-40E7-952B-CA77A4E73D56}"/>
+                <a16:creationId xmlns:a16="http://schemas.microsoft.com/office/drawing/2014/main" id="{9FB1ECF4-433B-40E7-952B-CA77A4E73D56}"/>
               </a:ext>
             </a:extLst>
           </p:cNvPr>
@@ -18576,16 +18349,7 @@
                 </a:solidFill>
                 <a:latin typeface="Arial"/>
               </a:rPr>
-              <a:t>Example: Divide by Zero without Exception </a:t>
-            </a:r>
-            <a:r>
-              <a:rPr lang="en-US" dirty="0" smtClean="0">
-                <a:solidFill>
-                  <a:srgbClr val="3380E6"/>
-                </a:solidFill>
-                <a:latin typeface="Arial"/>
-              </a:rPr>
-              <a:t>Handling (Cont.)</a:t>
+              <a:t>Example: Divide by Zero without Exception Handling (Cont.)</a:t>
             </a:r>
             <a:endParaRPr lang="en-US" dirty="0">
               <a:solidFill>
@@ -18601,7 +18365,7 @@
           <p:cNvPr id="14339" name="Text Placeholder 2">
             <a:extLst>
               <a:ext uri="{FF2B5EF4-FFF2-40B4-BE49-F238E27FC236}">
-                <a16:creationId xmlns="" xmlns:a16="http://schemas.microsoft.com/office/drawing/2014/main" id="{A5674EEA-A6AA-4737-ADE0-15E069D87C6E}"/>
+                <a16:creationId xmlns:a16="http://schemas.microsoft.com/office/drawing/2014/main" id="{A5674EEA-A6AA-4737-ADE0-15E069D87C6E}"/>
               </a:ext>
             </a:extLst>
           </p:cNvPr>
@@ -18881,7 +18645,7 @@
           <p:cNvPr id="4" name="Footer Placeholder 3">
             <a:extLst>
               <a:ext uri="{FF2B5EF4-FFF2-40B4-BE49-F238E27FC236}">
-                <a16:creationId xmlns="" xmlns:a16="http://schemas.microsoft.com/office/drawing/2014/main" id="{912A59BC-2C51-47DC-9CE9-C93F65A523C8}"/>
+                <a16:creationId xmlns:a16="http://schemas.microsoft.com/office/drawing/2014/main" id="{912A59BC-2C51-47DC-9CE9-C93F65A523C8}"/>
               </a:ext>
             </a:extLst>
           </p:cNvPr>
@@ -18942,7 +18706,7 @@
           <p:cNvPr id="3" name="Picture 2" descr="jhtp_11_Exceptions_Page_09">
             <a:extLst>
               <a:ext uri="{FF2B5EF4-FFF2-40B4-BE49-F238E27FC236}">
-                <a16:creationId xmlns="" xmlns:a16="http://schemas.microsoft.com/office/drawing/2014/main" id="{142B21D7-9D87-4BB8-BC6F-D622CEABE9D0}"/>
+                <a16:creationId xmlns:a16="http://schemas.microsoft.com/office/drawing/2014/main" id="{142B21D7-9D87-4BB8-BC6F-D622CEABE9D0}"/>
               </a:ext>
             </a:extLst>
           </p:cNvPr>
@@ -18979,7 +18743,7 @@
           <p:cNvPr id="4" name="Footer Placeholder 3">
             <a:extLst>
               <a:ext uri="{FF2B5EF4-FFF2-40B4-BE49-F238E27FC236}">
-                <a16:creationId xmlns="" xmlns:a16="http://schemas.microsoft.com/office/drawing/2014/main" id="{16427D64-D567-4420-A01A-DCBAA10A66CF}"/>
+                <a16:creationId xmlns:a16="http://schemas.microsoft.com/office/drawing/2014/main" id="{16427D64-D567-4420-A01A-DCBAA10A66CF}"/>
               </a:ext>
             </a:extLst>
           </p:cNvPr>
@@ -19037,7 +18801,7 @@
           <p:cNvPr id="3" name="Picture 2" descr="jhtp_11_Exceptions_Page_10">
             <a:extLst>
               <a:ext uri="{FF2B5EF4-FFF2-40B4-BE49-F238E27FC236}">
-                <a16:creationId xmlns="" xmlns:a16="http://schemas.microsoft.com/office/drawing/2014/main" id="{1E05D5F5-2E42-44DD-99BE-E8DCAB0B91DC}"/>
+                <a16:creationId xmlns:a16="http://schemas.microsoft.com/office/drawing/2014/main" id="{1E05D5F5-2E42-44DD-99BE-E8DCAB0B91DC}"/>
               </a:ext>
             </a:extLst>
           </p:cNvPr>
@@ -19074,7 +18838,7 @@
           <p:cNvPr id="4" name="Footer Placeholder 3">
             <a:extLst>
               <a:ext uri="{FF2B5EF4-FFF2-40B4-BE49-F238E27FC236}">
-                <a16:creationId xmlns="" xmlns:a16="http://schemas.microsoft.com/office/drawing/2014/main" id="{39784925-9C3E-48C3-BC1C-378F9D776EB1}"/>
+                <a16:creationId xmlns:a16="http://schemas.microsoft.com/office/drawing/2014/main" id="{39784925-9C3E-48C3-BC1C-378F9D776EB1}"/>
               </a:ext>
             </a:extLst>
           </p:cNvPr>
@@ -19132,7 +18896,7 @@
           <p:cNvPr id="3" name="Picture 2" descr="jhtp_11_Exceptions_Page_11">
             <a:extLst>
               <a:ext uri="{FF2B5EF4-FFF2-40B4-BE49-F238E27FC236}">
-                <a16:creationId xmlns="" xmlns:a16="http://schemas.microsoft.com/office/drawing/2014/main" id="{35E09B9A-2293-40A0-9CB0-28ADFDC0069E}"/>
+                <a16:creationId xmlns:a16="http://schemas.microsoft.com/office/drawing/2014/main" id="{35E09B9A-2293-40A0-9CB0-28ADFDC0069E}"/>
               </a:ext>
             </a:extLst>
           </p:cNvPr>
@@ -19169,7 +18933,7 @@
           <p:cNvPr id="4" name="Footer Placeholder 3">
             <a:extLst>
               <a:ext uri="{FF2B5EF4-FFF2-40B4-BE49-F238E27FC236}">
-                <a16:creationId xmlns="" xmlns:a16="http://schemas.microsoft.com/office/drawing/2014/main" id="{E4CA5EC7-43CE-4250-90A4-580F4AB1F42C}"/>
+                <a16:creationId xmlns:a16="http://schemas.microsoft.com/office/drawing/2014/main" id="{E4CA5EC7-43CE-4250-90A4-580F4AB1F42C}"/>
               </a:ext>
             </a:extLst>
           </p:cNvPr>
